--- a/2. IO MAP/GUI Design.pptx
+++ b/2. IO MAP/GUI Design.pptx
@@ -7,8 +7,7 @@
   <p:sldIdLst>
     <p:sldId id="256" r:id="rId2"/>
     <p:sldId id="257" r:id="rId3"/>
-    <p:sldId id="258" r:id="rId4"/>
-    <p:sldId id="259" r:id="rId5"/>
+    <p:sldId id="259" r:id="rId4"/>
   </p:sldIdLst>
   <p:sldSz cx="12192000" cy="6858000"/>
   <p:notesSz cx="6858000" cy="9144000"/>
@@ -246,7 +245,7 @@
           <a:p>
             <a:fld id="{EDC4F8F2-44A5-470B-89BF-B32AE999289C}" type="datetimeFigureOut">
               <a:rPr lang="en-US" smtClean="0"/>
-              <a:t>6/30/2025</a:t>
+              <a:t>7/3/2025</a:t>
             </a:fld>
             <a:endParaRPr lang="en-US"/>
           </a:p>
@@ -416,7 +415,7 @@
           <a:p>
             <a:fld id="{EDC4F8F2-44A5-470B-89BF-B32AE999289C}" type="datetimeFigureOut">
               <a:rPr lang="en-US" smtClean="0"/>
-              <a:t>6/30/2025</a:t>
+              <a:t>7/3/2025</a:t>
             </a:fld>
             <a:endParaRPr lang="en-US"/>
           </a:p>
@@ -596,7 +595,7 @@
           <a:p>
             <a:fld id="{EDC4F8F2-44A5-470B-89BF-B32AE999289C}" type="datetimeFigureOut">
               <a:rPr lang="en-US" smtClean="0"/>
-              <a:t>6/30/2025</a:t>
+              <a:t>7/3/2025</a:t>
             </a:fld>
             <a:endParaRPr lang="en-US"/>
           </a:p>
@@ -766,7 +765,7 @@
           <a:p>
             <a:fld id="{EDC4F8F2-44A5-470B-89BF-B32AE999289C}" type="datetimeFigureOut">
               <a:rPr lang="en-US" smtClean="0"/>
-              <a:t>6/30/2025</a:t>
+              <a:t>7/3/2025</a:t>
             </a:fld>
             <a:endParaRPr lang="en-US"/>
           </a:p>
@@ -1012,7 +1011,7 @@
           <a:p>
             <a:fld id="{EDC4F8F2-44A5-470B-89BF-B32AE999289C}" type="datetimeFigureOut">
               <a:rPr lang="en-US" smtClean="0"/>
-              <a:t>6/30/2025</a:t>
+              <a:t>7/3/2025</a:t>
             </a:fld>
             <a:endParaRPr lang="en-US"/>
           </a:p>
@@ -1244,7 +1243,7 @@
           <a:p>
             <a:fld id="{EDC4F8F2-44A5-470B-89BF-B32AE999289C}" type="datetimeFigureOut">
               <a:rPr lang="en-US" smtClean="0"/>
-              <a:t>6/30/2025</a:t>
+              <a:t>7/3/2025</a:t>
             </a:fld>
             <a:endParaRPr lang="en-US"/>
           </a:p>
@@ -1611,7 +1610,7 @@
           <a:p>
             <a:fld id="{EDC4F8F2-44A5-470B-89BF-B32AE999289C}" type="datetimeFigureOut">
               <a:rPr lang="en-US" smtClean="0"/>
-              <a:t>6/30/2025</a:t>
+              <a:t>7/3/2025</a:t>
             </a:fld>
             <a:endParaRPr lang="en-US"/>
           </a:p>
@@ -1729,7 +1728,7 @@
           <a:p>
             <a:fld id="{EDC4F8F2-44A5-470B-89BF-B32AE999289C}" type="datetimeFigureOut">
               <a:rPr lang="en-US" smtClean="0"/>
-              <a:t>6/30/2025</a:t>
+              <a:t>7/3/2025</a:t>
             </a:fld>
             <a:endParaRPr lang="en-US"/>
           </a:p>
@@ -1824,7 +1823,7 @@
           <a:p>
             <a:fld id="{EDC4F8F2-44A5-470B-89BF-B32AE999289C}" type="datetimeFigureOut">
               <a:rPr lang="en-US" smtClean="0"/>
-              <a:t>6/30/2025</a:t>
+              <a:t>7/3/2025</a:t>
             </a:fld>
             <a:endParaRPr lang="en-US"/>
           </a:p>
@@ -2101,7 +2100,7 @@
           <a:p>
             <a:fld id="{EDC4F8F2-44A5-470B-89BF-B32AE999289C}" type="datetimeFigureOut">
               <a:rPr lang="en-US" smtClean="0"/>
-              <a:t>6/30/2025</a:t>
+              <a:t>7/3/2025</a:t>
             </a:fld>
             <a:endParaRPr lang="en-US"/>
           </a:p>
@@ -2354,7 +2353,7 @@
           <a:p>
             <a:fld id="{EDC4F8F2-44A5-470B-89BF-B32AE999289C}" type="datetimeFigureOut">
               <a:rPr lang="en-US" smtClean="0"/>
-              <a:t>6/30/2025</a:t>
+              <a:t>7/3/2025</a:t>
             </a:fld>
             <a:endParaRPr lang="en-US"/>
           </a:p>
@@ -2567,7 +2566,7 @@
           <a:p>
             <a:fld id="{EDC4F8F2-44A5-470B-89BF-B32AE999289C}" type="datetimeFigureOut">
               <a:rPr lang="en-US" smtClean="0"/>
-              <a:t>6/30/2025</a:t>
+              <a:t>7/3/2025</a:t>
             </a:fld>
             <a:endParaRPr lang="en-US"/>
           </a:p>
@@ -13703,5219 +13702,6 @@
       </p:grpSpPr>
       <p:grpSp>
         <p:nvGrpSpPr>
-          <p:cNvPr id="163" name="Group 162"/>
-          <p:cNvGrpSpPr/>
-          <p:nvPr/>
-        </p:nvGrpSpPr>
-        <p:grpSpPr>
-          <a:xfrm>
-            <a:off x="850332" y="19064"/>
-            <a:ext cx="8951273" cy="6829411"/>
-            <a:chOff x="850332" y="19064"/>
-            <a:chExt cx="8951273" cy="6829411"/>
-          </a:xfrm>
-        </p:grpSpPr>
-        <p:sp useBgFill="1">
-          <p:nvSpPr>
-            <p:cNvPr id="4" name="Oval 3"/>
-            <p:cNvSpPr/>
-            <p:nvPr/>
-          </p:nvSpPr>
-          <p:spPr>
-            <a:xfrm>
-              <a:off x="1804657" y="19064"/>
-              <a:ext cx="7753739" cy="6829411"/>
-            </a:xfrm>
-            <a:prstGeom prst="ellipse">
-              <a:avLst/>
-            </a:prstGeom>
-            <a:ln w="47625">
-              <a:solidFill>
-                <a:schemeClr val="tx1"/>
-              </a:solidFill>
-            </a:ln>
-          </p:spPr>
-          <p:style>
-            <a:lnRef idx="2">
-              <a:schemeClr val="accent1">
-                <a:shade val="50000"/>
-              </a:schemeClr>
-            </a:lnRef>
-            <a:fillRef idx="1">
-              <a:schemeClr val="accent1"/>
-            </a:fillRef>
-            <a:effectRef idx="0">
-              <a:schemeClr val="accent1"/>
-            </a:effectRef>
-            <a:fontRef idx="minor">
-              <a:schemeClr val="lt1"/>
-            </a:fontRef>
-          </p:style>
-          <p:txBody>
-            <a:bodyPr rtlCol="0" anchor="ctr"/>
-            <a:lstStyle/>
-            <a:p>
-              <a:pPr algn="ctr"/>
-              <a:r>
-                <a:rPr lang="en-US" smtClean="0"/>
-                <a:t>11111fd</a:t>
-              </a:r>
-              <a:endParaRPr lang="en-US"/>
-            </a:p>
-          </p:txBody>
-        </p:sp>
-        <p:sp>
-          <p:nvSpPr>
-            <p:cNvPr id="5" name="Rounded Rectangle 4"/>
-            <p:cNvSpPr/>
-            <p:nvPr/>
-          </p:nvSpPr>
-          <p:spPr>
-            <a:xfrm>
-              <a:off x="3817582" y="1259633"/>
-              <a:ext cx="3405674" cy="1101012"/>
-            </a:xfrm>
-            <a:prstGeom prst="roundRect">
-              <a:avLst/>
-            </a:prstGeom>
-            <a:noFill/>
-            <a:ln w="31750">
-              <a:solidFill>
-                <a:schemeClr val="tx1"/>
-              </a:solidFill>
-            </a:ln>
-          </p:spPr>
-          <p:style>
-            <a:lnRef idx="2">
-              <a:schemeClr val="accent1">
-                <a:shade val="50000"/>
-              </a:schemeClr>
-            </a:lnRef>
-            <a:fillRef idx="1">
-              <a:schemeClr val="accent1"/>
-            </a:fillRef>
-            <a:effectRef idx="0">
-              <a:schemeClr val="accent1"/>
-            </a:effectRef>
-            <a:fontRef idx="minor">
-              <a:schemeClr val="lt1"/>
-            </a:fontRef>
-          </p:style>
-          <p:txBody>
-            <a:bodyPr rtlCol="0" anchor="ctr"/>
-            <a:lstStyle/>
-            <a:p>
-              <a:pPr algn="ctr"/>
-              <a:endParaRPr lang="en-US"/>
-            </a:p>
-          </p:txBody>
-        </p:sp>
-        <p:sp>
-          <p:nvSpPr>
-            <p:cNvPr id="7" name="Rounded Rectangle 6"/>
-            <p:cNvSpPr/>
-            <p:nvPr/>
-          </p:nvSpPr>
-          <p:spPr>
-            <a:xfrm rot="5400000">
-              <a:off x="1245444" y="2990462"/>
-              <a:ext cx="3405674" cy="1101012"/>
-            </a:xfrm>
-            <a:prstGeom prst="roundRect">
-              <a:avLst/>
-            </a:prstGeom>
-            <a:noFill/>
-            <a:ln w="41275">
-              <a:solidFill>
-                <a:schemeClr val="tx1"/>
-              </a:solidFill>
-            </a:ln>
-          </p:spPr>
-          <p:style>
-            <a:lnRef idx="2">
-              <a:schemeClr val="accent1">
-                <a:shade val="50000"/>
-              </a:schemeClr>
-            </a:lnRef>
-            <a:fillRef idx="1">
-              <a:schemeClr val="accent1"/>
-            </a:fillRef>
-            <a:effectRef idx="0">
-              <a:schemeClr val="accent1"/>
-            </a:effectRef>
-            <a:fontRef idx="minor">
-              <a:schemeClr val="lt1"/>
-            </a:fontRef>
-          </p:style>
-          <p:txBody>
-            <a:bodyPr rtlCol="0" anchor="ctr"/>
-            <a:lstStyle/>
-            <a:p>
-              <a:pPr algn="ctr"/>
-              <a:endParaRPr lang="en-US"/>
-            </a:p>
-          </p:txBody>
-        </p:sp>
-        <p:sp>
-          <p:nvSpPr>
-            <p:cNvPr id="9" name="Oval 8"/>
-            <p:cNvSpPr/>
-            <p:nvPr/>
-          </p:nvSpPr>
-          <p:spPr>
-            <a:xfrm>
-              <a:off x="2500609" y="1940764"/>
-              <a:ext cx="373225" cy="363893"/>
-            </a:xfrm>
-            <a:prstGeom prst="ellipse">
-              <a:avLst/>
-            </a:prstGeom>
-            <a:noFill/>
-            <a:ln w="25400">
-              <a:solidFill>
-                <a:srgbClr val="FF0000"/>
-              </a:solidFill>
-            </a:ln>
-          </p:spPr>
-          <p:style>
-            <a:lnRef idx="2">
-              <a:schemeClr val="accent1">
-                <a:shade val="50000"/>
-              </a:schemeClr>
-            </a:lnRef>
-            <a:fillRef idx="1">
-              <a:schemeClr val="accent1"/>
-            </a:fillRef>
-            <a:effectRef idx="0">
-              <a:schemeClr val="accent1"/>
-            </a:effectRef>
-            <a:fontRef idx="minor">
-              <a:schemeClr val="lt1"/>
-            </a:fontRef>
-          </p:style>
-          <p:txBody>
-            <a:bodyPr rtlCol="0" anchor="ctr"/>
-            <a:lstStyle/>
-            <a:p>
-              <a:pPr algn="ctr"/>
-              <a:endParaRPr lang="en-US"/>
-            </a:p>
-          </p:txBody>
-        </p:sp>
-        <p:sp>
-          <p:nvSpPr>
-            <p:cNvPr id="10" name="TextBox 9"/>
-            <p:cNvSpPr txBox="1"/>
-            <p:nvPr/>
-          </p:nvSpPr>
-          <p:spPr>
-            <a:xfrm>
-              <a:off x="2543614" y="1961127"/>
-              <a:ext cx="261257" cy="323165"/>
-            </a:xfrm>
-            <a:prstGeom prst="rect">
-              <a:avLst/>
-            </a:prstGeom>
-            <a:noFill/>
-          </p:spPr>
-          <p:txBody>
-            <a:bodyPr wrap="square" rtlCol="0">
-              <a:spAutoFit/>
-            </a:bodyPr>
-            <a:lstStyle/>
-            <a:p>
-              <a:r>
-                <a:rPr lang="en-US" sz="1500" smtClean="0"/>
-                <a:t>1</a:t>
-              </a:r>
-              <a:endParaRPr lang="en-US" sz="1500"/>
-            </a:p>
-          </p:txBody>
-        </p:sp>
-        <p:sp>
-          <p:nvSpPr>
-            <p:cNvPr id="11" name="Oval 10"/>
-            <p:cNvSpPr/>
-            <p:nvPr/>
-          </p:nvSpPr>
-          <p:spPr>
-            <a:xfrm>
-              <a:off x="3042395" y="1940764"/>
-              <a:ext cx="373225" cy="363893"/>
-            </a:xfrm>
-            <a:prstGeom prst="ellipse">
-              <a:avLst/>
-            </a:prstGeom>
-            <a:noFill/>
-            <a:ln w="25400">
-              <a:solidFill>
-                <a:srgbClr val="FF0000"/>
-              </a:solidFill>
-            </a:ln>
-          </p:spPr>
-          <p:style>
-            <a:lnRef idx="2">
-              <a:schemeClr val="accent1">
-                <a:shade val="50000"/>
-              </a:schemeClr>
-            </a:lnRef>
-            <a:fillRef idx="1">
-              <a:schemeClr val="accent1"/>
-            </a:fillRef>
-            <a:effectRef idx="0">
-              <a:schemeClr val="accent1"/>
-            </a:effectRef>
-            <a:fontRef idx="minor">
-              <a:schemeClr val="lt1"/>
-            </a:fontRef>
-          </p:style>
-          <p:txBody>
-            <a:bodyPr rtlCol="0" anchor="ctr"/>
-            <a:lstStyle/>
-            <a:p>
-              <a:pPr algn="ctr"/>
-              <a:endParaRPr lang="en-US"/>
-            </a:p>
-          </p:txBody>
-        </p:sp>
-        <p:sp>
-          <p:nvSpPr>
-            <p:cNvPr id="12" name="TextBox 11"/>
-            <p:cNvSpPr txBox="1"/>
-            <p:nvPr/>
-          </p:nvSpPr>
-          <p:spPr>
-            <a:xfrm>
-              <a:off x="3085400" y="1961127"/>
-              <a:ext cx="261257" cy="323165"/>
-            </a:xfrm>
-            <a:prstGeom prst="rect">
-              <a:avLst/>
-            </a:prstGeom>
-            <a:noFill/>
-          </p:spPr>
-          <p:txBody>
-            <a:bodyPr wrap="square" rtlCol="0">
-              <a:spAutoFit/>
-            </a:bodyPr>
-            <a:lstStyle/>
-            <a:p>
-              <a:r>
-                <a:rPr lang="en-US" sz="1500"/>
-                <a:t>2</a:t>
-              </a:r>
-            </a:p>
-          </p:txBody>
-        </p:sp>
-        <p:sp>
-          <p:nvSpPr>
-            <p:cNvPr id="13" name="Oval 12"/>
-            <p:cNvSpPr/>
-            <p:nvPr/>
-          </p:nvSpPr>
-          <p:spPr>
-            <a:xfrm>
-              <a:off x="2500609" y="4789719"/>
-              <a:ext cx="373225" cy="363893"/>
-            </a:xfrm>
-            <a:prstGeom prst="ellipse">
-              <a:avLst/>
-            </a:prstGeom>
-            <a:noFill/>
-            <a:ln w="25400">
-              <a:solidFill>
-                <a:srgbClr val="0070C0"/>
-              </a:solidFill>
-            </a:ln>
-          </p:spPr>
-          <p:style>
-            <a:lnRef idx="2">
-              <a:schemeClr val="accent1">
-                <a:shade val="50000"/>
-              </a:schemeClr>
-            </a:lnRef>
-            <a:fillRef idx="1">
-              <a:schemeClr val="accent1"/>
-            </a:fillRef>
-            <a:effectRef idx="0">
-              <a:schemeClr val="accent1"/>
-            </a:effectRef>
-            <a:fontRef idx="minor">
-              <a:schemeClr val="lt1"/>
-            </a:fontRef>
-          </p:style>
-          <p:txBody>
-            <a:bodyPr rtlCol="0" anchor="ctr"/>
-            <a:lstStyle/>
-            <a:p>
-              <a:pPr algn="ctr"/>
-              <a:endParaRPr lang="en-US"/>
-            </a:p>
-          </p:txBody>
-        </p:sp>
-        <p:sp>
-          <p:nvSpPr>
-            <p:cNvPr id="14" name="TextBox 13"/>
-            <p:cNvSpPr txBox="1"/>
-            <p:nvPr/>
-          </p:nvSpPr>
-          <p:spPr>
-            <a:xfrm>
-              <a:off x="2506290" y="4810082"/>
-              <a:ext cx="403212" cy="323165"/>
-            </a:xfrm>
-            <a:prstGeom prst="rect">
-              <a:avLst/>
-            </a:prstGeom>
-            <a:noFill/>
-          </p:spPr>
-          <p:txBody>
-            <a:bodyPr wrap="square" rtlCol="0">
-              <a:spAutoFit/>
-            </a:bodyPr>
-            <a:lstStyle/>
-            <a:p>
-              <a:r>
-                <a:rPr lang="en-US" sz="1500" smtClean="0"/>
-                <a:t>11</a:t>
-              </a:r>
-              <a:endParaRPr lang="en-US" sz="1500"/>
-            </a:p>
-          </p:txBody>
-        </p:sp>
-        <p:sp>
-          <p:nvSpPr>
-            <p:cNvPr id="15" name="Oval 14"/>
-            <p:cNvSpPr/>
-            <p:nvPr/>
-          </p:nvSpPr>
-          <p:spPr>
-            <a:xfrm>
-              <a:off x="3042395" y="4789719"/>
-              <a:ext cx="373225" cy="363893"/>
-            </a:xfrm>
-            <a:prstGeom prst="ellipse">
-              <a:avLst/>
-            </a:prstGeom>
-            <a:noFill/>
-            <a:ln w="25400">
-              <a:solidFill>
-                <a:srgbClr val="0070C0"/>
-              </a:solidFill>
-            </a:ln>
-          </p:spPr>
-          <p:style>
-            <a:lnRef idx="2">
-              <a:schemeClr val="accent1">
-                <a:shade val="50000"/>
-              </a:schemeClr>
-            </a:lnRef>
-            <a:fillRef idx="1">
-              <a:schemeClr val="accent1"/>
-            </a:fillRef>
-            <a:effectRef idx="0">
-              <a:schemeClr val="accent1"/>
-            </a:effectRef>
-            <a:fontRef idx="minor">
-              <a:schemeClr val="lt1"/>
-            </a:fontRef>
-          </p:style>
-          <p:txBody>
-            <a:bodyPr rtlCol="0" anchor="ctr"/>
-            <a:lstStyle/>
-            <a:p>
-              <a:pPr algn="ctr"/>
-              <a:endParaRPr lang="en-US"/>
-            </a:p>
-          </p:txBody>
-        </p:sp>
-        <p:sp>
-          <p:nvSpPr>
-            <p:cNvPr id="16" name="TextBox 15"/>
-            <p:cNvSpPr txBox="1"/>
-            <p:nvPr/>
-          </p:nvSpPr>
-          <p:spPr>
-            <a:xfrm>
-              <a:off x="3048076" y="4810082"/>
-              <a:ext cx="419069" cy="323165"/>
-            </a:xfrm>
-            <a:prstGeom prst="rect">
-              <a:avLst/>
-            </a:prstGeom>
-            <a:noFill/>
-          </p:spPr>
-          <p:txBody>
-            <a:bodyPr wrap="square" rtlCol="0">
-              <a:spAutoFit/>
-            </a:bodyPr>
-            <a:lstStyle/>
-            <a:p>
-              <a:r>
-                <a:rPr lang="en-US" sz="1500" smtClean="0"/>
-                <a:t>12</a:t>
-              </a:r>
-              <a:endParaRPr lang="en-US" sz="1500"/>
-            </a:p>
-          </p:txBody>
-        </p:sp>
-        <p:sp>
-          <p:nvSpPr>
-            <p:cNvPr id="17" name="Oval 16"/>
-            <p:cNvSpPr/>
-            <p:nvPr/>
-          </p:nvSpPr>
-          <p:spPr>
-            <a:xfrm>
-              <a:off x="2500609" y="4274426"/>
-              <a:ext cx="373225" cy="363893"/>
-            </a:xfrm>
-            <a:prstGeom prst="ellipse">
-              <a:avLst/>
-            </a:prstGeom>
-            <a:noFill/>
-            <a:ln w="25400">
-              <a:solidFill>
-                <a:srgbClr val="0070C0"/>
-              </a:solidFill>
-            </a:ln>
-          </p:spPr>
-          <p:style>
-            <a:lnRef idx="2">
-              <a:schemeClr val="accent1">
-                <a:shade val="50000"/>
-              </a:schemeClr>
-            </a:lnRef>
-            <a:fillRef idx="1">
-              <a:schemeClr val="accent1"/>
-            </a:fillRef>
-            <a:effectRef idx="0">
-              <a:schemeClr val="accent1"/>
-            </a:effectRef>
-            <a:fontRef idx="minor">
-              <a:schemeClr val="lt1"/>
-            </a:fontRef>
-          </p:style>
-          <p:txBody>
-            <a:bodyPr rtlCol="0" anchor="ctr"/>
-            <a:lstStyle/>
-            <a:p>
-              <a:pPr algn="ctr"/>
-              <a:endParaRPr lang="en-US"/>
-            </a:p>
-          </p:txBody>
-        </p:sp>
-        <p:sp>
-          <p:nvSpPr>
-            <p:cNvPr id="18" name="TextBox 17"/>
-            <p:cNvSpPr txBox="1"/>
-            <p:nvPr/>
-          </p:nvSpPr>
-          <p:spPr>
-            <a:xfrm>
-              <a:off x="2543614" y="4294789"/>
-              <a:ext cx="261257" cy="323165"/>
-            </a:xfrm>
-            <a:prstGeom prst="rect">
-              <a:avLst/>
-            </a:prstGeom>
-            <a:noFill/>
-          </p:spPr>
-          <p:txBody>
-            <a:bodyPr wrap="square" rtlCol="0">
-              <a:spAutoFit/>
-            </a:bodyPr>
-            <a:lstStyle/>
-            <a:p>
-              <a:r>
-                <a:rPr lang="en-US" sz="1500" smtClean="0"/>
-                <a:t>9</a:t>
-              </a:r>
-              <a:endParaRPr lang="en-US" sz="1500"/>
-            </a:p>
-          </p:txBody>
-        </p:sp>
-        <p:sp>
-          <p:nvSpPr>
-            <p:cNvPr id="19" name="Oval 18"/>
-            <p:cNvSpPr/>
-            <p:nvPr/>
-          </p:nvSpPr>
-          <p:spPr>
-            <a:xfrm>
-              <a:off x="3042395" y="4274426"/>
-              <a:ext cx="373225" cy="363893"/>
-            </a:xfrm>
-            <a:prstGeom prst="ellipse">
-              <a:avLst/>
-            </a:prstGeom>
-            <a:noFill/>
-            <a:ln w="25400">
-              <a:solidFill>
-                <a:srgbClr val="0070C0"/>
-              </a:solidFill>
-            </a:ln>
-          </p:spPr>
-          <p:style>
-            <a:lnRef idx="2">
-              <a:schemeClr val="accent1">
-                <a:shade val="50000"/>
-              </a:schemeClr>
-            </a:lnRef>
-            <a:fillRef idx="1">
-              <a:schemeClr val="accent1"/>
-            </a:fillRef>
-            <a:effectRef idx="0">
-              <a:schemeClr val="accent1"/>
-            </a:effectRef>
-            <a:fontRef idx="minor">
-              <a:schemeClr val="lt1"/>
-            </a:fontRef>
-          </p:style>
-          <p:txBody>
-            <a:bodyPr rtlCol="0" anchor="ctr"/>
-            <a:lstStyle/>
-            <a:p>
-              <a:pPr algn="ctr"/>
-              <a:endParaRPr lang="en-US"/>
-            </a:p>
-          </p:txBody>
-        </p:sp>
-        <p:sp>
-          <p:nvSpPr>
-            <p:cNvPr id="20" name="TextBox 19"/>
-            <p:cNvSpPr txBox="1"/>
-            <p:nvPr/>
-          </p:nvSpPr>
-          <p:spPr>
-            <a:xfrm>
-              <a:off x="3048076" y="4294789"/>
-              <a:ext cx="431098" cy="323165"/>
-            </a:xfrm>
-            <a:prstGeom prst="rect">
-              <a:avLst/>
-            </a:prstGeom>
-            <a:noFill/>
-          </p:spPr>
-          <p:txBody>
-            <a:bodyPr wrap="square" rtlCol="0">
-              <a:spAutoFit/>
-            </a:bodyPr>
-            <a:lstStyle/>
-            <a:p>
-              <a:r>
-                <a:rPr lang="en-US" sz="1500" smtClean="0"/>
-                <a:t>10</a:t>
-              </a:r>
-              <a:endParaRPr lang="en-US" sz="1500"/>
-            </a:p>
-          </p:txBody>
-        </p:sp>
-        <p:sp>
-          <p:nvSpPr>
-            <p:cNvPr id="21" name="Oval 20"/>
-            <p:cNvSpPr/>
-            <p:nvPr/>
-          </p:nvSpPr>
-          <p:spPr>
-            <a:xfrm>
-              <a:off x="2500609" y="2426052"/>
-              <a:ext cx="373225" cy="363893"/>
-            </a:xfrm>
-            <a:prstGeom prst="ellipse">
-              <a:avLst/>
-            </a:prstGeom>
-            <a:noFill/>
-            <a:ln w="25400">
-              <a:solidFill>
-                <a:srgbClr val="FF0000"/>
-              </a:solidFill>
-            </a:ln>
-          </p:spPr>
-          <p:style>
-            <a:lnRef idx="2">
-              <a:schemeClr val="accent1">
-                <a:shade val="50000"/>
-              </a:schemeClr>
-            </a:lnRef>
-            <a:fillRef idx="1">
-              <a:schemeClr val="accent1"/>
-            </a:fillRef>
-            <a:effectRef idx="0">
-              <a:schemeClr val="accent1"/>
-            </a:effectRef>
-            <a:fontRef idx="minor">
-              <a:schemeClr val="lt1"/>
-            </a:fontRef>
-          </p:style>
-          <p:txBody>
-            <a:bodyPr rtlCol="0" anchor="ctr"/>
-            <a:lstStyle/>
-            <a:p>
-              <a:pPr algn="ctr"/>
-              <a:endParaRPr lang="en-US"/>
-            </a:p>
-          </p:txBody>
-        </p:sp>
-        <p:sp>
-          <p:nvSpPr>
-            <p:cNvPr id="22" name="TextBox 21"/>
-            <p:cNvSpPr txBox="1"/>
-            <p:nvPr/>
-          </p:nvSpPr>
-          <p:spPr>
-            <a:xfrm>
-              <a:off x="2543614" y="2446415"/>
-              <a:ext cx="261257" cy="323165"/>
-            </a:xfrm>
-            <a:prstGeom prst="rect">
-              <a:avLst/>
-            </a:prstGeom>
-            <a:noFill/>
-          </p:spPr>
-          <p:txBody>
-            <a:bodyPr wrap="square" rtlCol="0">
-              <a:spAutoFit/>
-            </a:bodyPr>
-            <a:lstStyle/>
-            <a:p>
-              <a:r>
-                <a:rPr lang="en-US" sz="1500"/>
-                <a:t>3</a:t>
-              </a:r>
-            </a:p>
-          </p:txBody>
-        </p:sp>
-        <p:sp>
-          <p:nvSpPr>
-            <p:cNvPr id="23" name="Oval 22"/>
-            <p:cNvSpPr/>
-            <p:nvPr/>
-          </p:nvSpPr>
-          <p:spPr>
-            <a:xfrm>
-              <a:off x="3042395" y="2426052"/>
-              <a:ext cx="373225" cy="363893"/>
-            </a:xfrm>
-            <a:prstGeom prst="ellipse">
-              <a:avLst/>
-            </a:prstGeom>
-            <a:noFill/>
-            <a:ln w="25400">
-              <a:solidFill>
-                <a:srgbClr val="FF0000"/>
-              </a:solidFill>
-            </a:ln>
-          </p:spPr>
-          <p:style>
-            <a:lnRef idx="2">
-              <a:schemeClr val="accent1">
-                <a:shade val="50000"/>
-              </a:schemeClr>
-            </a:lnRef>
-            <a:fillRef idx="1">
-              <a:schemeClr val="accent1"/>
-            </a:fillRef>
-            <a:effectRef idx="0">
-              <a:schemeClr val="accent1"/>
-            </a:effectRef>
-            <a:fontRef idx="minor">
-              <a:schemeClr val="lt1"/>
-            </a:fontRef>
-          </p:style>
-          <p:txBody>
-            <a:bodyPr rtlCol="0" anchor="ctr"/>
-            <a:lstStyle/>
-            <a:p>
-              <a:pPr algn="ctr"/>
-              <a:endParaRPr lang="en-US"/>
-            </a:p>
-          </p:txBody>
-        </p:sp>
-        <p:sp>
-          <p:nvSpPr>
-            <p:cNvPr id="24" name="TextBox 23"/>
-            <p:cNvSpPr txBox="1"/>
-            <p:nvPr/>
-          </p:nvSpPr>
-          <p:spPr>
-            <a:xfrm>
-              <a:off x="3085400" y="2446415"/>
-              <a:ext cx="261257" cy="323165"/>
-            </a:xfrm>
-            <a:prstGeom prst="rect">
-              <a:avLst/>
-            </a:prstGeom>
-            <a:noFill/>
-          </p:spPr>
-          <p:txBody>
-            <a:bodyPr wrap="square" rtlCol="0">
-              <a:spAutoFit/>
-            </a:bodyPr>
-            <a:lstStyle/>
-            <a:p>
-              <a:r>
-                <a:rPr lang="en-US" sz="1500"/>
-                <a:t>4</a:t>
-              </a:r>
-            </a:p>
-          </p:txBody>
-        </p:sp>
-        <p:sp>
-          <p:nvSpPr>
-            <p:cNvPr id="25" name="Oval 24"/>
-            <p:cNvSpPr/>
-            <p:nvPr/>
-          </p:nvSpPr>
-          <p:spPr>
-            <a:xfrm>
-              <a:off x="2500609" y="3759133"/>
-              <a:ext cx="373225" cy="363893"/>
-            </a:xfrm>
-            <a:prstGeom prst="ellipse">
-              <a:avLst/>
-            </a:prstGeom>
-            <a:noFill/>
-            <a:ln w="25400">
-              <a:solidFill>
-                <a:srgbClr val="0070C0"/>
-              </a:solidFill>
-            </a:ln>
-          </p:spPr>
-          <p:style>
-            <a:lnRef idx="2">
-              <a:schemeClr val="accent1">
-                <a:shade val="50000"/>
-              </a:schemeClr>
-            </a:lnRef>
-            <a:fillRef idx="1">
-              <a:schemeClr val="accent1"/>
-            </a:fillRef>
-            <a:effectRef idx="0">
-              <a:schemeClr val="accent1"/>
-            </a:effectRef>
-            <a:fontRef idx="minor">
-              <a:schemeClr val="lt1"/>
-            </a:fontRef>
-          </p:style>
-          <p:txBody>
-            <a:bodyPr rtlCol="0" anchor="ctr"/>
-            <a:lstStyle/>
-            <a:p>
-              <a:pPr algn="ctr"/>
-              <a:endParaRPr lang="en-US"/>
-            </a:p>
-          </p:txBody>
-        </p:sp>
-        <p:sp>
-          <p:nvSpPr>
-            <p:cNvPr id="26" name="TextBox 25"/>
-            <p:cNvSpPr txBox="1"/>
-            <p:nvPr/>
-          </p:nvSpPr>
-          <p:spPr>
-            <a:xfrm>
-              <a:off x="2543614" y="3779496"/>
-              <a:ext cx="261257" cy="323165"/>
-            </a:xfrm>
-            <a:prstGeom prst="rect">
-              <a:avLst/>
-            </a:prstGeom>
-            <a:noFill/>
-          </p:spPr>
-          <p:txBody>
-            <a:bodyPr wrap="square" rtlCol="0">
-              <a:spAutoFit/>
-            </a:bodyPr>
-            <a:lstStyle/>
-            <a:p>
-              <a:r>
-                <a:rPr lang="en-US" sz="1500"/>
-                <a:t>7</a:t>
-              </a:r>
-            </a:p>
-          </p:txBody>
-        </p:sp>
-        <p:sp>
-          <p:nvSpPr>
-            <p:cNvPr id="27" name="Oval 26"/>
-            <p:cNvSpPr/>
-            <p:nvPr/>
-          </p:nvSpPr>
-          <p:spPr>
-            <a:xfrm>
-              <a:off x="3042395" y="3759133"/>
-              <a:ext cx="373225" cy="363893"/>
-            </a:xfrm>
-            <a:prstGeom prst="ellipse">
-              <a:avLst/>
-            </a:prstGeom>
-            <a:noFill/>
-            <a:ln w="25400">
-              <a:solidFill>
-                <a:srgbClr val="0070C0"/>
-              </a:solidFill>
-            </a:ln>
-          </p:spPr>
-          <p:style>
-            <a:lnRef idx="2">
-              <a:schemeClr val="accent1">
-                <a:shade val="50000"/>
-              </a:schemeClr>
-            </a:lnRef>
-            <a:fillRef idx="1">
-              <a:schemeClr val="accent1"/>
-            </a:fillRef>
-            <a:effectRef idx="0">
-              <a:schemeClr val="accent1"/>
-            </a:effectRef>
-            <a:fontRef idx="minor">
-              <a:schemeClr val="lt1"/>
-            </a:fontRef>
-          </p:style>
-          <p:txBody>
-            <a:bodyPr rtlCol="0" anchor="ctr"/>
-            <a:lstStyle/>
-            <a:p>
-              <a:pPr algn="ctr"/>
-              <a:endParaRPr lang="en-US"/>
-            </a:p>
-          </p:txBody>
-        </p:sp>
-        <p:sp>
-          <p:nvSpPr>
-            <p:cNvPr id="28" name="TextBox 27"/>
-            <p:cNvSpPr txBox="1"/>
-            <p:nvPr/>
-          </p:nvSpPr>
-          <p:spPr>
-            <a:xfrm>
-              <a:off x="3085400" y="3779496"/>
-              <a:ext cx="261257" cy="323165"/>
-            </a:xfrm>
-            <a:prstGeom prst="rect">
-              <a:avLst/>
-            </a:prstGeom>
-            <a:noFill/>
-          </p:spPr>
-          <p:txBody>
-            <a:bodyPr wrap="square" rtlCol="0">
-              <a:spAutoFit/>
-            </a:bodyPr>
-            <a:lstStyle/>
-            <a:p>
-              <a:r>
-                <a:rPr lang="en-US" sz="1500"/>
-                <a:t>8</a:t>
-              </a:r>
-            </a:p>
-          </p:txBody>
-        </p:sp>
-        <p:sp>
-          <p:nvSpPr>
-            <p:cNvPr id="29" name="Oval 28"/>
-            <p:cNvSpPr/>
-            <p:nvPr/>
-          </p:nvSpPr>
-          <p:spPr>
-            <a:xfrm>
-              <a:off x="2500609" y="2923580"/>
-              <a:ext cx="373225" cy="363893"/>
-            </a:xfrm>
-            <a:prstGeom prst="ellipse">
-              <a:avLst/>
-            </a:prstGeom>
-            <a:noFill/>
-            <a:ln w="25400">
-              <a:solidFill>
-                <a:srgbClr val="FF0000"/>
-              </a:solidFill>
-            </a:ln>
-          </p:spPr>
-          <p:style>
-            <a:lnRef idx="2">
-              <a:schemeClr val="accent1">
-                <a:shade val="50000"/>
-              </a:schemeClr>
-            </a:lnRef>
-            <a:fillRef idx="1">
-              <a:schemeClr val="accent1"/>
-            </a:fillRef>
-            <a:effectRef idx="0">
-              <a:schemeClr val="accent1"/>
-            </a:effectRef>
-            <a:fontRef idx="minor">
-              <a:schemeClr val="lt1"/>
-            </a:fontRef>
-          </p:style>
-          <p:txBody>
-            <a:bodyPr rtlCol="0" anchor="ctr"/>
-            <a:lstStyle/>
-            <a:p>
-              <a:pPr algn="ctr"/>
-              <a:endParaRPr lang="en-US"/>
-            </a:p>
-          </p:txBody>
-        </p:sp>
-        <p:sp>
-          <p:nvSpPr>
-            <p:cNvPr id="30" name="TextBox 29"/>
-            <p:cNvSpPr txBox="1"/>
-            <p:nvPr/>
-          </p:nvSpPr>
-          <p:spPr>
-            <a:xfrm>
-              <a:off x="2543614" y="2943943"/>
-              <a:ext cx="261257" cy="323165"/>
-            </a:xfrm>
-            <a:prstGeom prst="rect">
-              <a:avLst/>
-            </a:prstGeom>
-            <a:noFill/>
-          </p:spPr>
-          <p:txBody>
-            <a:bodyPr wrap="square" rtlCol="0">
-              <a:spAutoFit/>
-            </a:bodyPr>
-            <a:lstStyle/>
-            <a:p>
-              <a:r>
-                <a:rPr lang="en-US" sz="1500"/>
-                <a:t>5</a:t>
-              </a:r>
-            </a:p>
-          </p:txBody>
-        </p:sp>
-        <p:sp>
-          <p:nvSpPr>
-            <p:cNvPr id="31" name="Oval 30"/>
-            <p:cNvSpPr/>
-            <p:nvPr/>
-          </p:nvSpPr>
-          <p:spPr>
-            <a:xfrm>
-              <a:off x="3042395" y="2923580"/>
-              <a:ext cx="373225" cy="363893"/>
-            </a:xfrm>
-            <a:prstGeom prst="ellipse">
-              <a:avLst/>
-            </a:prstGeom>
-            <a:noFill/>
-            <a:ln w="25400">
-              <a:solidFill>
-                <a:srgbClr val="FF0000"/>
-              </a:solidFill>
-            </a:ln>
-          </p:spPr>
-          <p:style>
-            <a:lnRef idx="2">
-              <a:schemeClr val="accent1">
-                <a:shade val="50000"/>
-              </a:schemeClr>
-            </a:lnRef>
-            <a:fillRef idx="1">
-              <a:schemeClr val="accent1"/>
-            </a:fillRef>
-            <a:effectRef idx="0">
-              <a:schemeClr val="accent1"/>
-            </a:effectRef>
-            <a:fontRef idx="minor">
-              <a:schemeClr val="lt1"/>
-            </a:fontRef>
-          </p:style>
-          <p:txBody>
-            <a:bodyPr rtlCol="0" anchor="ctr"/>
-            <a:lstStyle/>
-            <a:p>
-              <a:pPr algn="ctr"/>
-              <a:endParaRPr lang="en-US"/>
-            </a:p>
-          </p:txBody>
-        </p:sp>
-        <p:sp>
-          <p:nvSpPr>
-            <p:cNvPr id="32" name="TextBox 31"/>
-            <p:cNvSpPr txBox="1"/>
-            <p:nvPr/>
-          </p:nvSpPr>
-          <p:spPr>
-            <a:xfrm>
-              <a:off x="3085400" y="2943943"/>
-              <a:ext cx="261257" cy="323165"/>
-            </a:xfrm>
-            <a:prstGeom prst="rect">
-              <a:avLst/>
-            </a:prstGeom>
-            <a:noFill/>
-          </p:spPr>
-          <p:txBody>
-            <a:bodyPr wrap="square" rtlCol="0">
-              <a:spAutoFit/>
-            </a:bodyPr>
-            <a:lstStyle/>
-            <a:p>
-              <a:r>
-                <a:rPr lang="en-US" sz="1500"/>
-                <a:t>6</a:t>
-              </a:r>
-            </a:p>
-          </p:txBody>
-        </p:sp>
-        <p:sp>
-          <p:nvSpPr>
-            <p:cNvPr id="33" name="Oval 32"/>
-            <p:cNvSpPr/>
-            <p:nvPr/>
-          </p:nvSpPr>
-          <p:spPr>
-            <a:xfrm>
-              <a:off x="6767810" y="1384042"/>
-              <a:ext cx="373225" cy="363893"/>
-            </a:xfrm>
-            <a:prstGeom prst="ellipse">
-              <a:avLst/>
-            </a:prstGeom>
-            <a:noFill/>
-            <a:ln w="25400">
-              <a:solidFill>
-                <a:srgbClr val="FF0000"/>
-              </a:solidFill>
-            </a:ln>
-          </p:spPr>
-          <p:style>
-            <a:lnRef idx="2">
-              <a:schemeClr val="accent1">
-                <a:shade val="50000"/>
-              </a:schemeClr>
-            </a:lnRef>
-            <a:fillRef idx="1">
-              <a:schemeClr val="accent1"/>
-            </a:fillRef>
-            <a:effectRef idx="0">
-              <a:schemeClr val="accent1"/>
-            </a:effectRef>
-            <a:fontRef idx="minor">
-              <a:schemeClr val="lt1"/>
-            </a:fontRef>
-          </p:style>
-          <p:txBody>
-            <a:bodyPr rtlCol="0" anchor="ctr"/>
-            <a:lstStyle/>
-            <a:p>
-              <a:pPr algn="ctr"/>
-              <a:endParaRPr lang="en-US"/>
-            </a:p>
-          </p:txBody>
-        </p:sp>
-        <p:sp>
-          <p:nvSpPr>
-            <p:cNvPr id="34" name="TextBox 33"/>
-            <p:cNvSpPr txBox="1"/>
-            <p:nvPr/>
-          </p:nvSpPr>
-          <p:spPr>
-            <a:xfrm>
-              <a:off x="6810815" y="1404405"/>
-              <a:ext cx="261257" cy="323165"/>
-            </a:xfrm>
-            <a:prstGeom prst="rect">
-              <a:avLst/>
-            </a:prstGeom>
-            <a:noFill/>
-          </p:spPr>
-          <p:txBody>
-            <a:bodyPr wrap="square" rtlCol="0">
-              <a:spAutoFit/>
-            </a:bodyPr>
-            <a:lstStyle/>
-            <a:p>
-              <a:r>
-                <a:rPr lang="en-US" sz="1500" smtClean="0"/>
-                <a:t>1</a:t>
-              </a:r>
-              <a:endParaRPr lang="en-US" sz="1500"/>
-            </a:p>
-          </p:txBody>
-        </p:sp>
-        <p:sp>
-          <p:nvSpPr>
-            <p:cNvPr id="37" name="Oval 36"/>
-            <p:cNvSpPr/>
-            <p:nvPr/>
-          </p:nvSpPr>
-          <p:spPr>
-            <a:xfrm>
-              <a:off x="6767810" y="1876860"/>
-              <a:ext cx="373225" cy="363893"/>
-            </a:xfrm>
-            <a:prstGeom prst="ellipse">
-              <a:avLst/>
-            </a:prstGeom>
-            <a:noFill/>
-            <a:ln w="25400">
-              <a:solidFill>
-                <a:srgbClr val="FF0000"/>
-              </a:solidFill>
-            </a:ln>
-          </p:spPr>
-          <p:style>
-            <a:lnRef idx="2">
-              <a:schemeClr val="accent1">
-                <a:shade val="50000"/>
-              </a:schemeClr>
-            </a:lnRef>
-            <a:fillRef idx="1">
-              <a:schemeClr val="accent1"/>
-            </a:fillRef>
-            <a:effectRef idx="0">
-              <a:schemeClr val="accent1"/>
-            </a:effectRef>
-            <a:fontRef idx="minor">
-              <a:schemeClr val="lt1"/>
-            </a:fontRef>
-          </p:style>
-          <p:txBody>
-            <a:bodyPr rtlCol="0" anchor="ctr"/>
-            <a:lstStyle/>
-            <a:p>
-              <a:pPr algn="ctr"/>
-              <a:endParaRPr lang="en-US"/>
-            </a:p>
-          </p:txBody>
-        </p:sp>
-        <p:sp>
-          <p:nvSpPr>
-            <p:cNvPr id="38" name="TextBox 37"/>
-            <p:cNvSpPr txBox="1"/>
-            <p:nvPr/>
-          </p:nvSpPr>
-          <p:spPr>
-            <a:xfrm>
-              <a:off x="6810815" y="1897223"/>
-              <a:ext cx="261257" cy="323165"/>
-            </a:xfrm>
-            <a:prstGeom prst="rect">
-              <a:avLst/>
-            </a:prstGeom>
-            <a:noFill/>
-          </p:spPr>
-          <p:txBody>
-            <a:bodyPr wrap="square" rtlCol="0">
-              <a:spAutoFit/>
-            </a:bodyPr>
-            <a:lstStyle/>
-            <a:p>
-              <a:r>
-                <a:rPr lang="en-US" sz="1500"/>
-                <a:t>2</a:t>
-              </a:r>
-            </a:p>
-          </p:txBody>
-        </p:sp>
-        <p:sp>
-          <p:nvSpPr>
-            <p:cNvPr id="39" name="Oval 38"/>
-            <p:cNvSpPr/>
-            <p:nvPr/>
-          </p:nvSpPr>
-          <p:spPr>
-            <a:xfrm>
-              <a:off x="3897088" y="1384042"/>
-              <a:ext cx="373225" cy="363893"/>
-            </a:xfrm>
-            <a:prstGeom prst="ellipse">
-              <a:avLst/>
-            </a:prstGeom>
-            <a:noFill/>
-            <a:ln w="25400">
-              <a:solidFill>
-                <a:srgbClr val="0070C0"/>
-              </a:solidFill>
-            </a:ln>
-          </p:spPr>
-          <p:style>
-            <a:lnRef idx="2">
-              <a:schemeClr val="accent1">
-                <a:shade val="50000"/>
-              </a:schemeClr>
-            </a:lnRef>
-            <a:fillRef idx="1">
-              <a:schemeClr val="accent1"/>
-            </a:fillRef>
-            <a:effectRef idx="0">
-              <a:schemeClr val="accent1"/>
-            </a:effectRef>
-            <a:fontRef idx="minor">
-              <a:schemeClr val="lt1"/>
-            </a:fontRef>
-          </p:style>
-          <p:txBody>
-            <a:bodyPr rtlCol="0" anchor="ctr"/>
-            <a:lstStyle/>
-            <a:p>
-              <a:pPr algn="ctr"/>
-              <a:endParaRPr lang="en-US"/>
-            </a:p>
-          </p:txBody>
-        </p:sp>
-        <p:sp>
-          <p:nvSpPr>
-            <p:cNvPr id="40" name="TextBox 39"/>
-            <p:cNvSpPr txBox="1"/>
-            <p:nvPr/>
-          </p:nvSpPr>
-          <p:spPr>
-            <a:xfrm>
-              <a:off x="3902769" y="1404405"/>
-              <a:ext cx="403212" cy="323165"/>
-            </a:xfrm>
-            <a:prstGeom prst="rect">
-              <a:avLst/>
-            </a:prstGeom>
-            <a:noFill/>
-          </p:spPr>
-          <p:txBody>
-            <a:bodyPr wrap="square" rtlCol="0">
-              <a:spAutoFit/>
-            </a:bodyPr>
-            <a:lstStyle/>
-            <a:p>
-              <a:r>
-                <a:rPr lang="en-US" sz="1500" smtClean="0"/>
-                <a:t>11</a:t>
-              </a:r>
-              <a:endParaRPr lang="en-US" sz="1500"/>
-            </a:p>
-          </p:txBody>
-        </p:sp>
-        <p:sp>
-          <p:nvSpPr>
-            <p:cNvPr id="41" name="Oval 40"/>
-            <p:cNvSpPr/>
-            <p:nvPr/>
-          </p:nvSpPr>
-          <p:spPr>
-            <a:xfrm>
-              <a:off x="3897088" y="1876860"/>
-              <a:ext cx="373225" cy="363893"/>
-            </a:xfrm>
-            <a:prstGeom prst="ellipse">
-              <a:avLst/>
-            </a:prstGeom>
-            <a:noFill/>
-            <a:ln w="25400">
-              <a:solidFill>
-                <a:srgbClr val="0070C0"/>
-              </a:solidFill>
-            </a:ln>
-          </p:spPr>
-          <p:style>
-            <a:lnRef idx="2">
-              <a:schemeClr val="accent1">
-                <a:shade val="50000"/>
-              </a:schemeClr>
-            </a:lnRef>
-            <a:fillRef idx="1">
-              <a:schemeClr val="accent1"/>
-            </a:fillRef>
-            <a:effectRef idx="0">
-              <a:schemeClr val="accent1"/>
-            </a:effectRef>
-            <a:fontRef idx="minor">
-              <a:schemeClr val="lt1"/>
-            </a:fontRef>
-          </p:style>
-          <p:txBody>
-            <a:bodyPr rtlCol="0" anchor="ctr"/>
-            <a:lstStyle/>
-            <a:p>
-              <a:pPr algn="ctr"/>
-              <a:endParaRPr lang="en-US"/>
-            </a:p>
-          </p:txBody>
-        </p:sp>
-        <p:sp>
-          <p:nvSpPr>
-            <p:cNvPr id="42" name="TextBox 41"/>
-            <p:cNvSpPr txBox="1"/>
-            <p:nvPr/>
-          </p:nvSpPr>
-          <p:spPr>
-            <a:xfrm>
-              <a:off x="3893438" y="1897223"/>
-              <a:ext cx="383699" cy="323165"/>
-            </a:xfrm>
-            <a:prstGeom prst="rect">
-              <a:avLst/>
-            </a:prstGeom>
-            <a:noFill/>
-          </p:spPr>
-          <p:txBody>
-            <a:bodyPr wrap="square" rtlCol="0">
-              <a:spAutoFit/>
-            </a:bodyPr>
-            <a:lstStyle/>
-            <a:p>
-              <a:r>
-                <a:rPr lang="en-US" sz="1500" smtClean="0"/>
-                <a:t>12</a:t>
-              </a:r>
-              <a:endParaRPr lang="en-US" sz="1500"/>
-            </a:p>
-          </p:txBody>
-        </p:sp>
-        <p:sp>
-          <p:nvSpPr>
-            <p:cNvPr id="43" name="Oval 42"/>
-            <p:cNvSpPr/>
-            <p:nvPr/>
-          </p:nvSpPr>
-          <p:spPr>
-            <a:xfrm>
-              <a:off x="4421153" y="1384042"/>
-              <a:ext cx="373225" cy="363893"/>
-            </a:xfrm>
-            <a:prstGeom prst="ellipse">
-              <a:avLst/>
-            </a:prstGeom>
-            <a:noFill/>
-            <a:ln w="25400">
-              <a:solidFill>
-                <a:srgbClr val="0070C0"/>
-              </a:solidFill>
-            </a:ln>
-          </p:spPr>
-          <p:style>
-            <a:lnRef idx="2">
-              <a:schemeClr val="accent1">
-                <a:shade val="50000"/>
-              </a:schemeClr>
-            </a:lnRef>
-            <a:fillRef idx="1">
-              <a:schemeClr val="accent1"/>
-            </a:fillRef>
-            <a:effectRef idx="0">
-              <a:schemeClr val="accent1"/>
-            </a:effectRef>
-            <a:fontRef idx="minor">
-              <a:schemeClr val="lt1"/>
-            </a:fontRef>
-          </p:style>
-          <p:txBody>
-            <a:bodyPr rtlCol="0" anchor="ctr"/>
-            <a:lstStyle/>
-            <a:p>
-              <a:pPr algn="ctr"/>
-              <a:endParaRPr lang="en-US"/>
-            </a:p>
-          </p:txBody>
-        </p:sp>
-        <p:sp>
-          <p:nvSpPr>
-            <p:cNvPr id="44" name="TextBox 43"/>
-            <p:cNvSpPr txBox="1"/>
-            <p:nvPr/>
-          </p:nvSpPr>
-          <p:spPr>
-            <a:xfrm>
-              <a:off x="4464158" y="1404405"/>
-              <a:ext cx="261257" cy="323165"/>
-            </a:xfrm>
-            <a:prstGeom prst="rect">
-              <a:avLst/>
-            </a:prstGeom>
-            <a:noFill/>
-          </p:spPr>
-          <p:txBody>
-            <a:bodyPr wrap="square" rtlCol="0">
-              <a:spAutoFit/>
-            </a:bodyPr>
-            <a:lstStyle/>
-            <a:p>
-              <a:r>
-                <a:rPr lang="en-US" sz="1500"/>
-                <a:t>9</a:t>
-              </a:r>
-            </a:p>
-          </p:txBody>
-        </p:sp>
-        <p:sp>
-          <p:nvSpPr>
-            <p:cNvPr id="45" name="Oval 44"/>
-            <p:cNvSpPr/>
-            <p:nvPr/>
-          </p:nvSpPr>
-          <p:spPr>
-            <a:xfrm>
-              <a:off x="4421153" y="1876860"/>
-              <a:ext cx="373225" cy="363893"/>
-            </a:xfrm>
-            <a:prstGeom prst="ellipse">
-              <a:avLst/>
-            </a:prstGeom>
-            <a:noFill/>
-            <a:ln w="25400">
-              <a:solidFill>
-                <a:srgbClr val="0070C0"/>
-              </a:solidFill>
-            </a:ln>
-          </p:spPr>
-          <p:style>
-            <a:lnRef idx="2">
-              <a:schemeClr val="accent1">
-                <a:shade val="50000"/>
-              </a:schemeClr>
-            </a:lnRef>
-            <a:fillRef idx="1">
-              <a:schemeClr val="accent1"/>
-            </a:fillRef>
-            <a:effectRef idx="0">
-              <a:schemeClr val="accent1"/>
-            </a:effectRef>
-            <a:fontRef idx="minor">
-              <a:schemeClr val="lt1"/>
-            </a:fontRef>
-          </p:style>
-          <p:txBody>
-            <a:bodyPr rtlCol="0" anchor="ctr"/>
-            <a:lstStyle/>
-            <a:p>
-              <a:pPr algn="ctr"/>
-              <a:endParaRPr lang="en-US"/>
-            </a:p>
-          </p:txBody>
-        </p:sp>
-        <p:sp>
-          <p:nvSpPr>
-            <p:cNvPr id="46" name="TextBox 45"/>
-            <p:cNvSpPr txBox="1"/>
-            <p:nvPr/>
-          </p:nvSpPr>
-          <p:spPr>
-            <a:xfrm>
-              <a:off x="4426834" y="1897223"/>
-              <a:ext cx="378548" cy="323165"/>
-            </a:xfrm>
-            <a:prstGeom prst="rect">
-              <a:avLst/>
-            </a:prstGeom>
-            <a:noFill/>
-          </p:spPr>
-          <p:txBody>
-            <a:bodyPr wrap="square" rtlCol="0">
-              <a:spAutoFit/>
-            </a:bodyPr>
-            <a:lstStyle/>
-            <a:p>
-              <a:r>
-                <a:rPr lang="en-US" sz="1500" smtClean="0"/>
-                <a:t>10</a:t>
-              </a:r>
-              <a:endParaRPr lang="en-US" sz="1500"/>
-            </a:p>
-          </p:txBody>
-        </p:sp>
-        <p:sp>
-          <p:nvSpPr>
-            <p:cNvPr id="47" name="Oval 46"/>
-            <p:cNvSpPr/>
-            <p:nvPr/>
-          </p:nvSpPr>
-          <p:spPr>
-            <a:xfrm>
-              <a:off x="4945218" y="1363679"/>
-              <a:ext cx="373225" cy="363893"/>
-            </a:xfrm>
-            <a:prstGeom prst="ellipse">
-              <a:avLst/>
-            </a:prstGeom>
-            <a:noFill/>
-            <a:ln w="25400">
-              <a:solidFill>
-                <a:srgbClr val="0070C0"/>
-              </a:solidFill>
-            </a:ln>
-          </p:spPr>
-          <p:style>
-            <a:lnRef idx="2">
-              <a:schemeClr val="accent1">
-                <a:shade val="50000"/>
-              </a:schemeClr>
-            </a:lnRef>
-            <a:fillRef idx="1">
-              <a:schemeClr val="accent1"/>
-            </a:fillRef>
-            <a:effectRef idx="0">
-              <a:schemeClr val="accent1"/>
-            </a:effectRef>
-            <a:fontRef idx="minor">
-              <a:schemeClr val="lt1"/>
-            </a:fontRef>
-          </p:style>
-          <p:txBody>
-            <a:bodyPr rtlCol="0" anchor="ctr"/>
-            <a:lstStyle/>
-            <a:p>
-              <a:pPr algn="ctr"/>
-              <a:endParaRPr lang="en-US"/>
-            </a:p>
-          </p:txBody>
-        </p:sp>
-        <p:sp>
-          <p:nvSpPr>
-            <p:cNvPr id="48" name="TextBox 47"/>
-            <p:cNvSpPr txBox="1"/>
-            <p:nvPr/>
-          </p:nvSpPr>
-          <p:spPr>
-            <a:xfrm>
-              <a:off x="4988223" y="1384042"/>
-              <a:ext cx="261257" cy="323165"/>
-            </a:xfrm>
-            <a:prstGeom prst="rect">
-              <a:avLst/>
-            </a:prstGeom>
-            <a:noFill/>
-          </p:spPr>
-          <p:txBody>
-            <a:bodyPr wrap="square" rtlCol="0">
-              <a:spAutoFit/>
-            </a:bodyPr>
-            <a:lstStyle/>
-            <a:p>
-              <a:r>
-                <a:rPr lang="en-US" sz="1500"/>
-                <a:t>7</a:t>
-              </a:r>
-            </a:p>
-          </p:txBody>
-        </p:sp>
-        <p:sp>
-          <p:nvSpPr>
-            <p:cNvPr id="49" name="Oval 48"/>
-            <p:cNvSpPr/>
-            <p:nvPr/>
-          </p:nvSpPr>
-          <p:spPr>
-            <a:xfrm>
-              <a:off x="4945218" y="1856497"/>
-              <a:ext cx="373225" cy="363893"/>
-            </a:xfrm>
-            <a:prstGeom prst="ellipse">
-              <a:avLst/>
-            </a:prstGeom>
-            <a:noFill/>
-            <a:ln w="25400">
-              <a:solidFill>
-                <a:srgbClr val="0070C0"/>
-              </a:solidFill>
-            </a:ln>
-          </p:spPr>
-          <p:style>
-            <a:lnRef idx="2">
-              <a:schemeClr val="accent1">
-                <a:shade val="50000"/>
-              </a:schemeClr>
-            </a:lnRef>
-            <a:fillRef idx="1">
-              <a:schemeClr val="accent1"/>
-            </a:fillRef>
-            <a:effectRef idx="0">
-              <a:schemeClr val="accent1"/>
-            </a:effectRef>
-            <a:fontRef idx="minor">
-              <a:schemeClr val="lt1"/>
-            </a:fontRef>
-          </p:style>
-          <p:txBody>
-            <a:bodyPr rtlCol="0" anchor="ctr"/>
-            <a:lstStyle/>
-            <a:p>
-              <a:pPr algn="ctr"/>
-              <a:endParaRPr lang="en-US"/>
-            </a:p>
-          </p:txBody>
-        </p:sp>
-        <p:sp>
-          <p:nvSpPr>
-            <p:cNvPr id="50" name="TextBox 49"/>
-            <p:cNvSpPr txBox="1"/>
-            <p:nvPr/>
-          </p:nvSpPr>
-          <p:spPr>
-            <a:xfrm>
-              <a:off x="4988223" y="1876860"/>
-              <a:ext cx="261257" cy="323165"/>
-            </a:xfrm>
-            <a:prstGeom prst="rect">
-              <a:avLst/>
-            </a:prstGeom>
-            <a:noFill/>
-          </p:spPr>
-          <p:txBody>
-            <a:bodyPr wrap="square" rtlCol="0">
-              <a:spAutoFit/>
-            </a:bodyPr>
-            <a:lstStyle/>
-            <a:p>
-              <a:r>
-                <a:rPr lang="en-US" sz="1500"/>
-                <a:t>8</a:t>
-              </a:r>
-            </a:p>
-          </p:txBody>
-        </p:sp>
-        <p:sp>
-          <p:nvSpPr>
-            <p:cNvPr id="51" name="Oval 50"/>
-            <p:cNvSpPr/>
-            <p:nvPr/>
-          </p:nvSpPr>
-          <p:spPr>
-            <a:xfrm>
-              <a:off x="5681527" y="1363679"/>
-              <a:ext cx="373225" cy="363893"/>
-            </a:xfrm>
-            <a:prstGeom prst="ellipse">
-              <a:avLst/>
-            </a:prstGeom>
-            <a:noFill/>
-            <a:ln w="25400">
-              <a:solidFill>
-                <a:srgbClr val="FF0000"/>
-              </a:solidFill>
-            </a:ln>
-          </p:spPr>
-          <p:style>
-            <a:lnRef idx="2">
-              <a:schemeClr val="accent1">
-                <a:shade val="50000"/>
-              </a:schemeClr>
-            </a:lnRef>
-            <a:fillRef idx="1">
-              <a:schemeClr val="accent1"/>
-            </a:fillRef>
-            <a:effectRef idx="0">
-              <a:schemeClr val="accent1"/>
-            </a:effectRef>
-            <a:fontRef idx="minor">
-              <a:schemeClr val="lt1"/>
-            </a:fontRef>
-          </p:style>
-          <p:txBody>
-            <a:bodyPr rtlCol="0" anchor="ctr"/>
-            <a:lstStyle/>
-            <a:p>
-              <a:pPr algn="ctr"/>
-              <a:endParaRPr lang="en-US"/>
-            </a:p>
-          </p:txBody>
-        </p:sp>
-        <p:sp>
-          <p:nvSpPr>
-            <p:cNvPr id="52" name="TextBox 51"/>
-            <p:cNvSpPr txBox="1"/>
-            <p:nvPr/>
-          </p:nvSpPr>
-          <p:spPr>
-            <a:xfrm>
-              <a:off x="5724532" y="1384042"/>
-              <a:ext cx="261257" cy="323165"/>
-            </a:xfrm>
-            <a:prstGeom prst="rect">
-              <a:avLst/>
-            </a:prstGeom>
-            <a:noFill/>
-          </p:spPr>
-          <p:txBody>
-            <a:bodyPr wrap="square" rtlCol="0">
-              <a:spAutoFit/>
-            </a:bodyPr>
-            <a:lstStyle/>
-            <a:p>
-              <a:r>
-                <a:rPr lang="en-US" sz="1500"/>
-                <a:t>5</a:t>
-              </a:r>
-            </a:p>
-          </p:txBody>
-        </p:sp>
-        <p:sp>
-          <p:nvSpPr>
-            <p:cNvPr id="53" name="Oval 52"/>
-            <p:cNvSpPr/>
-            <p:nvPr/>
-          </p:nvSpPr>
-          <p:spPr>
-            <a:xfrm>
-              <a:off x="5681527" y="1856497"/>
-              <a:ext cx="373225" cy="363893"/>
-            </a:xfrm>
-            <a:prstGeom prst="ellipse">
-              <a:avLst/>
-            </a:prstGeom>
-            <a:noFill/>
-            <a:ln w="25400">
-              <a:solidFill>
-                <a:srgbClr val="FF0000"/>
-              </a:solidFill>
-            </a:ln>
-          </p:spPr>
-          <p:style>
-            <a:lnRef idx="2">
-              <a:schemeClr val="accent1">
-                <a:shade val="50000"/>
-              </a:schemeClr>
-            </a:lnRef>
-            <a:fillRef idx="1">
-              <a:schemeClr val="accent1"/>
-            </a:fillRef>
-            <a:effectRef idx="0">
-              <a:schemeClr val="accent1"/>
-            </a:effectRef>
-            <a:fontRef idx="minor">
-              <a:schemeClr val="lt1"/>
-            </a:fontRef>
-          </p:style>
-          <p:txBody>
-            <a:bodyPr rtlCol="0" anchor="ctr"/>
-            <a:lstStyle/>
-            <a:p>
-              <a:pPr algn="ctr"/>
-              <a:endParaRPr lang="en-US"/>
-            </a:p>
-          </p:txBody>
-        </p:sp>
-        <p:sp>
-          <p:nvSpPr>
-            <p:cNvPr id="54" name="TextBox 53"/>
-            <p:cNvSpPr txBox="1"/>
-            <p:nvPr/>
-          </p:nvSpPr>
-          <p:spPr>
-            <a:xfrm>
-              <a:off x="5724532" y="1876860"/>
-              <a:ext cx="261257" cy="323165"/>
-            </a:xfrm>
-            <a:prstGeom prst="rect">
-              <a:avLst/>
-            </a:prstGeom>
-            <a:noFill/>
-          </p:spPr>
-          <p:txBody>
-            <a:bodyPr wrap="square" rtlCol="0">
-              <a:spAutoFit/>
-            </a:bodyPr>
-            <a:lstStyle/>
-            <a:p>
-              <a:r>
-                <a:rPr lang="en-US" sz="1500"/>
-                <a:t>6</a:t>
-              </a:r>
-            </a:p>
-          </p:txBody>
-        </p:sp>
-        <p:sp>
-          <p:nvSpPr>
-            <p:cNvPr id="63" name="Oval 62"/>
-            <p:cNvSpPr/>
-            <p:nvPr/>
-          </p:nvSpPr>
-          <p:spPr>
-            <a:xfrm>
-              <a:off x="6227966" y="1357457"/>
-              <a:ext cx="373225" cy="363893"/>
-            </a:xfrm>
-            <a:prstGeom prst="ellipse">
-              <a:avLst/>
-            </a:prstGeom>
-            <a:noFill/>
-            <a:ln w="25400">
-              <a:solidFill>
-                <a:srgbClr val="FF0000"/>
-              </a:solidFill>
-            </a:ln>
-          </p:spPr>
-          <p:style>
-            <a:lnRef idx="2">
-              <a:schemeClr val="accent1">
-                <a:shade val="50000"/>
-              </a:schemeClr>
-            </a:lnRef>
-            <a:fillRef idx="1">
-              <a:schemeClr val="accent1"/>
-            </a:fillRef>
-            <a:effectRef idx="0">
-              <a:schemeClr val="accent1"/>
-            </a:effectRef>
-            <a:fontRef idx="minor">
-              <a:schemeClr val="lt1"/>
-            </a:fontRef>
-          </p:style>
-          <p:txBody>
-            <a:bodyPr rtlCol="0" anchor="ctr"/>
-            <a:lstStyle/>
-            <a:p>
-              <a:pPr algn="ctr"/>
-              <a:endParaRPr lang="en-US"/>
-            </a:p>
-          </p:txBody>
-        </p:sp>
-        <p:sp>
-          <p:nvSpPr>
-            <p:cNvPr id="64" name="TextBox 63"/>
-            <p:cNvSpPr txBox="1"/>
-            <p:nvPr/>
-          </p:nvSpPr>
-          <p:spPr>
-            <a:xfrm>
-              <a:off x="6270971" y="1377820"/>
-              <a:ext cx="261257" cy="323165"/>
-            </a:xfrm>
-            <a:prstGeom prst="rect">
-              <a:avLst/>
-            </a:prstGeom>
-            <a:noFill/>
-          </p:spPr>
-          <p:txBody>
-            <a:bodyPr wrap="square" rtlCol="0">
-              <a:spAutoFit/>
-            </a:bodyPr>
-            <a:lstStyle/>
-            <a:p>
-              <a:r>
-                <a:rPr lang="en-US" sz="1500"/>
-                <a:t>3</a:t>
-              </a:r>
-            </a:p>
-          </p:txBody>
-        </p:sp>
-        <p:sp>
-          <p:nvSpPr>
-            <p:cNvPr id="65" name="Oval 64"/>
-            <p:cNvSpPr/>
-            <p:nvPr/>
-          </p:nvSpPr>
-          <p:spPr>
-            <a:xfrm>
-              <a:off x="6227966" y="1850275"/>
-              <a:ext cx="373225" cy="363893"/>
-            </a:xfrm>
-            <a:prstGeom prst="ellipse">
-              <a:avLst/>
-            </a:prstGeom>
-            <a:noFill/>
-            <a:ln w="25400">
-              <a:solidFill>
-                <a:srgbClr val="FF0000"/>
-              </a:solidFill>
-            </a:ln>
-          </p:spPr>
-          <p:style>
-            <a:lnRef idx="2">
-              <a:schemeClr val="accent1">
-                <a:shade val="50000"/>
-              </a:schemeClr>
-            </a:lnRef>
-            <a:fillRef idx="1">
-              <a:schemeClr val="accent1"/>
-            </a:fillRef>
-            <a:effectRef idx="0">
-              <a:schemeClr val="accent1"/>
-            </a:effectRef>
-            <a:fontRef idx="minor">
-              <a:schemeClr val="lt1"/>
-            </a:fontRef>
-          </p:style>
-          <p:txBody>
-            <a:bodyPr rtlCol="0" anchor="ctr"/>
-            <a:lstStyle/>
-            <a:p>
-              <a:pPr algn="ctr"/>
-              <a:endParaRPr lang="en-US"/>
-            </a:p>
-          </p:txBody>
-        </p:sp>
-        <p:sp>
-          <p:nvSpPr>
-            <p:cNvPr id="66" name="TextBox 65"/>
-            <p:cNvSpPr txBox="1"/>
-            <p:nvPr/>
-          </p:nvSpPr>
-          <p:spPr>
-            <a:xfrm>
-              <a:off x="6270971" y="1870638"/>
-              <a:ext cx="261257" cy="323165"/>
-            </a:xfrm>
-            <a:prstGeom prst="rect">
-              <a:avLst/>
-            </a:prstGeom>
-            <a:noFill/>
-          </p:spPr>
-          <p:txBody>
-            <a:bodyPr wrap="square" rtlCol="0">
-              <a:spAutoFit/>
-            </a:bodyPr>
-            <a:lstStyle/>
-            <a:p>
-              <a:r>
-                <a:rPr lang="en-US" sz="1500" smtClean="0"/>
-                <a:t>4</a:t>
-              </a:r>
-              <a:endParaRPr lang="en-US" sz="1500"/>
-            </a:p>
-          </p:txBody>
-        </p:sp>
-        <p:sp>
-          <p:nvSpPr>
-            <p:cNvPr id="67" name="Rounded Rectangle 66"/>
-            <p:cNvSpPr/>
-            <p:nvPr/>
-          </p:nvSpPr>
-          <p:spPr>
-            <a:xfrm rot="5400000">
-              <a:off x="6382158" y="2990462"/>
-              <a:ext cx="3405674" cy="1101012"/>
-            </a:xfrm>
-            <a:prstGeom prst="roundRect">
-              <a:avLst/>
-            </a:prstGeom>
-            <a:noFill/>
-            <a:ln w="41275">
-              <a:solidFill>
-                <a:schemeClr val="tx1"/>
-              </a:solidFill>
-            </a:ln>
-          </p:spPr>
-          <p:style>
-            <a:lnRef idx="2">
-              <a:schemeClr val="accent1">
-                <a:shade val="50000"/>
-              </a:schemeClr>
-            </a:lnRef>
-            <a:fillRef idx="1">
-              <a:schemeClr val="accent1"/>
-            </a:fillRef>
-            <a:effectRef idx="0">
-              <a:schemeClr val="accent1"/>
-            </a:effectRef>
-            <a:fontRef idx="minor">
-              <a:schemeClr val="lt1"/>
-            </a:fontRef>
-          </p:style>
-          <p:txBody>
-            <a:bodyPr rtlCol="0" anchor="ctr"/>
-            <a:lstStyle/>
-            <a:p>
-              <a:pPr algn="ctr"/>
-              <a:endParaRPr lang="en-US"/>
-            </a:p>
-          </p:txBody>
-        </p:sp>
-        <p:sp>
-          <p:nvSpPr>
-            <p:cNvPr id="68" name="Oval 67"/>
-            <p:cNvSpPr/>
-            <p:nvPr/>
-          </p:nvSpPr>
-          <p:spPr>
-            <a:xfrm>
-              <a:off x="7637323" y="3765457"/>
-              <a:ext cx="373225" cy="363893"/>
-            </a:xfrm>
-            <a:prstGeom prst="ellipse">
-              <a:avLst/>
-            </a:prstGeom>
-            <a:noFill/>
-            <a:ln w="25400">
-              <a:solidFill>
-                <a:srgbClr val="FF0000"/>
-              </a:solidFill>
-            </a:ln>
-          </p:spPr>
-          <p:style>
-            <a:lnRef idx="2">
-              <a:schemeClr val="accent1">
-                <a:shade val="50000"/>
-              </a:schemeClr>
-            </a:lnRef>
-            <a:fillRef idx="1">
-              <a:schemeClr val="accent1"/>
-            </a:fillRef>
-            <a:effectRef idx="0">
-              <a:schemeClr val="accent1"/>
-            </a:effectRef>
-            <a:fontRef idx="minor">
-              <a:schemeClr val="lt1"/>
-            </a:fontRef>
-          </p:style>
-          <p:txBody>
-            <a:bodyPr rtlCol="0" anchor="ctr"/>
-            <a:lstStyle/>
-            <a:p>
-              <a:pPr algn="ctr"/>
-              <a:endParaRPr lang="en-US"/>
-            </a:p>
-          </p:txBody>
-        </p:sp>
-        <p:sp>
-          <p:nvSpPr>
-            <p:cNvPr id="69" name="TextBox 68"/>
-            <p:cNvSpPr txBox="1"/>
-            <p:nvPr/>
-          </p:nvSpPr>
-          <p:spPr>
-            <a:xfrm>
-              <a:off x="7680328" y="3785820"/>
-              <a:ext cx="261257" cy="323165"/>
-            </a:xfrm>
-            <a:prstGeom prst="rect">
-              <a:avLst/>
-            </a:prstGeom>
-            <a:noFill/>
-          </p:spPr>
-          <p:txBody>
-            <a:bodyPr wrap="square" rtlCol="0">
-              <a:spAutoFit/>
-            </a:bodyPr>
-            <a:lstStyle/>
-            <a:p>
-              <a:r>
-                <a:rPr lang="en-US" sz="1500" smtClean="0"/>
-                <a:t>6</a:t>
-              </a:r>
-              <a:endParaRPr lang="en-US" sz="1500"/>
-            </a:p>
-          </p:txBody>
-        </p:sp>
-        <p:sp>
-          <p:nvSpPr>
-            <p:cNvPr id="70" name="Oval 69"/>
-            <p:cNvSpPr/>
-            <p:nvPr/>
-          </p:nvSpPr>
-          <p:spPr>
-            <a:xfrm>
-              <a:off x="8179109" y="3765457"/>
-              <a:ext cx="373225" cy="363893"/>
-            </a:xfrm>
-            <a:prstGeom prst="ellipse">
-              <a:avLst/>
-            </a:prstGeom>
-            <a:noFill/>
-            <a:ln w="25400">
-              <a:solidFill>
-                <a:srgbClr val="FF0000"/>
-              </a:solidFill>
-            </a:ln>
-          </p:spPr>
-          <p:style>
-            <a:lnRef idx="2">
-              <a:schemeClr val="accent1">
-                <a:shade val="50000"/>
-              </a:schemeClr>
-            </a:lnRef>
-            <a:fillRef idx="1">
-              <a:schemeClr val="accent1"/>
-            </a:fillRef>
-            <a:effectRef idx="0">
-              <a:schemeClr val="accent1"/>
-            </a:effectRef>
-            <a:fontRef idx="minor">
-              <a:schemeClr val="lt1"/>
-            </a:fontRef>
-          </p:style>
-          <p:txBody>
-            <a:bodyPr rtlCol="0" anchor="ctr"/>
-            <a:lstStyle/>
-            <a:p>
-              <a:pPr algn="ctr"/>
-              <a:endParaRPr lang="en-US"/>
-            </a:p>
-          </p:txBody>
-        </p:sp>
-        <p:sp>
-          <p:nvSpPr>
-            <p:cNvPr id="71" name="TextBox 70"/>
-            <p:cNvSpPr txBox="1"/>
-            <p:nvPr/>
-          </p:nvSpPr>
-          <p:spPr>
-            <a:xfrm>
-              <a:off x="8222114" y="3785820"/>
-              <a:ext cx="261257" cy="323165"/>
-            </a:xfrm>
-            <a:prstGeom prst="rect">
-              <a:avLst/>
-            </a:prstGeom>
-            <a:noFill/>
-          </p:spPr>
-          <p:txBody>
-            <a:bodyPr wrap="square" rtlCol="0">
-              <a:spAutoFit/>
-            </a:bodyPr>
-            <a:lstStyle/>
-            <a:p>
-              <a:r>
-                <a:rPr lang="en-US" sz="1500" smtClean="0"/>
-                <a:t>5</a:t>
-              </a:r>
-              <a:endParaRPr lang="en-US" sz="1500"/>
-            </a:p>
-          </p:txBody>
-        </p:sp>
-        <p:sp>
-          <p:nvSpPr>
-            <p:cNvPr id="72" name="Oval 71"/>
-            <p:cNvSpPr/>
-            <p:nvPr/>
-          </p:nvSpPr>
-          <p:spPr>
-            <a:xfrm>
-              <a:off x="7637323" y="2960912"/>
-              <a:ext cx="373225" cy="363893"/>
-            </a:xfrm>
-            <a:prstGeom prst="ellipse">
-              <a:avLst/>
-            </a:prstGeom>
-            <a:noFill/>
-            <a:ln w="25400">
-              <a:solidFill>
-                <a:srgbClr val="0070C0"/>
-              </a:solidFill>
-            </a:ln>
-          </p:spPr>
-          <p:style>
-            <a:lnRef idx="2">
-              <a:schemeClr val="accent1">
-                <a:shade val="50000"/>
-              </a:schemeClr>
-            </a:lnRef>
-            <a:fillRef idx="1">
-              <a:schemeClr val="accent1"/>
-            </a:fillRef>
-            <a:effectRef idx="0">
-              <a:schemeClr val="accent1"/>
-            </a:effectRef>
-            <a:fontRef idx="minor">
-              <a:schemeClr val="lt1"/>
-            </a:fontRef>
-          </p:style>
-          <p:txBody>
-            <a:bodyPr rtlCol="0" anchor="ctr"/>
-            <a:lstStyle/>
-            <a:p>
-              <a:pPr algn="ctr"/>
-              <a:endParaRPr lang="en-US"/>
-            </a:p>
-          </p:txBody>
-        </p:sp>
-        <p:sp>
-          <p:nvSpPr>
-            <p:cNvPr id="73" name="TextBox 72"/>
-            <p:cNvSpPr txBox="1"/>
-            <p:nvPr/>
-          </p:nvSpPr>
-          <p:spPr>
-            <a:xfrm>
-              <a:off x="7680328" y="2981275"/>
-              <a:ext cx="261257" cy="323165"/>
-            </a:xfrm>
-            <a:prstGeom prst="rect">
-              <a:avLst/>
-            </a:prstGeom>
-            <a:noFill/>
-          </p:spPr>
-          <p:txBody>
-            <a:bodyPr wrap="square" rtlCol="0">
-              <a:spAutoFit/>
-            </a:bodyPr>
-            <a:lstStyle/>
-            <a:p>
-              <a:r>
-                <a:rPr lang="en-US" sz="1500"/>
-                <a:t>8</a:t>
-              </a:r>
-            </a:p>
-          </p:txBody>
-        </p:sp>
-        <p:sp>
-          <p:nvSpPr>
-            <p:cNvPr id="74" name="Oval 73"/>
-            <p:cNvSpPr/>
-            <p:nvPr/>
-          </p:nvSpPr>
-          <p:spPr>
-            <a:xfrm>
-              <a:off x="8179109" y="2960912"/>
-              <a:ext cx="373225" cy="363893"/>
-            </a:xfrm>
-            <a:prstGeom prst="ellipse">
-              <a:avLst/>
-            </a:prstGeom>
-            <a:noFill/>
-            <a:ln w="25400">
-              <a:solidFill>
-                <a:srgbClr val="0070C0"/>
-              </a:solidFill>
-            </a:ln>
-          </p:spPr>
-          <p:style>
-            <a:lnRef idx="2">
-              <a:schemeClr val="accent1">
-                <a:shade val="50000"/>
-              </a:schemeClr>
-            </a:lnRef>
-            <a:fillRef idx="1">
-              <a:schemeClr val="accent1"/>
-            </a:fillRef>
-            <a:effectRef idx="0">
-              <a:schemeClr val="accent1"/>
-            </a:effectRef>
-            <a:fontRef idx="minor">
-              <a:schemeClr val="lt1"/>
-            </a:fontRef>
-          </p:style>
-          <p:txBody>
-            <a:bodyPr rtlCol="0" anchor="ctr"/>
-            <a:lstStyle/>
-            <a:p>
-              <a:pPr algn="ctr"/>
-              <a:endParaRPr lang="en-US"/>
-            </a:p>
-          </p:txBody>
-        </p:sp>
-        <p:sp>
-          <p:nvSpPr>
-            <p:cNvPr id="75" name="TextBox 74"/>
-            <p:cNvSpPr txBox="1"/>
-            <p:nvPr/>
-          </p:nvSpPr>
-          <p:spPr>
-            <a:xfrm>
-              <a:off x="8222114" y="2981275"/>
-              <a:ext cx="261257" cy="323165"/>
-            </a:xfrm>
-            <a:prstGeom prst="rect">
-              <a:avLst/>
-            </a:prstGeom>
-            <a:noFill/>
-          </p:spPr>
-          <p:txBody>
-            <a:bodyPr wrap="square" rtlCol="0">
-              <a:spAutoFit/>
-            </a:bodyPr>
-            <a:lstStyle/>
-            <a:p>
-              <a:r>
-                <a:rPr lang="en-US" sz="1500"/>
-                <a:t>7</a:t>
-              </a:r>
-            </a:p>
-          </p:txBody>
-        </p:sp>
-        <p:sp>
-          <p:nvSpPr>
-            <p:cNvPr id="76" name="Oval 75"/>
-            <p:cNvSpPr/>
-            <p:nvPr/>
-          </p:nvSpPr>
-          <p:spPr>
-            <a:xfrm>
-              <a:off x="7637323" y="2445619"/>
-              <a:ext cx="373225" cy="363893"/>
-            </a:xfrm>
-            <a:prstGeom prst="ellipse">
-              <a:avLst/>
-            </a:prstGeom>
-            <a:noFill/>
-            <a:ln w="25400">
-              <a:solidFill>
-                <a:srgbClr val="0070C0"/>
-              </a:solidFill>
-            </a:ln>
-          </p:spPr>
-          <p:style>
-            <a:lnRef idx="2">
-              <a:schemeClr val="accent1">
-                <a:shade val="50000"/>
-              </a:schemeClr>
-            </a:lnRef>
-            <a:fillRef idx="1">
-              <a:schemeClr val="accent1"/>
-            </a:fillRef>
-            <a:effectRef idx="0">
-              <a:schemeClr val="accent1"/>
-            </a:effectRef>
-            <a:fontRef idx="minor">
-              <a:schemeClr val="lt1"/>
-            </a:fontRef>
-          </p:style>
-          <p:txBody>
-            <a:bodyPr rtlCol="0" anchor="ctr"/>
-            <a:lstStyle/>
-            <a:p>
-              <a:pPr algn="ctr"/>
-              <a:endParaRPr lang="en-US"/>
-            </a:p>
-          </p:txBody>
-        </p:sp>
-        <p:sp>
-          <p:nvSpPr>
-            <p:cNvPr id="77" name="TextBox 76"/>
-            <p:cNvSpPr txBox="1"/>
-            <p:nvPr/>
-          </p:nvSpPr>
-          <p:spPr>
-            <a:xfrm>
-              <a:off x="7643004" y="2465982"/>
-              <a:ext cx="412294" cy="323165"/>
-            </a:xfrm>
-            <a:prstGeom prst="rect">
-              <a:avLst/>
-            </a:prstGeom>
-            <a:noFill/>
-          </p:spPr>
-          <p:txBody>
-            <a:bodyPr wrap="square" rtlCol="0">
-              <a:spAutoFit/>
-            </a:bodyPr>
-            <a:lstStyle/>
-            <a:p>
-              <a:r>
-                <a:rPr lang="en-US" sz="1500" smtClean="0"/>
-                <a:t>10</a:t>
-              </a:r>
-              <a:endParaRPr lang="en-US" sz="1500"/>
-            </a:p>
-          </p:txBody>
-        </p:sp>
-        <p:sp>
-          <p:nvSpPr>
-            <p:cNvPr id="78" name="Oval 77"/>
-            <p:cNvSpPr/>
-            <p:nvPr/>
-          </p:nvSpPr>
-          <p:spPr>
-            <a:xfrm>
-              <a:off x="8179109" y="2445619"/>
-              <a:ext cx="373225" cy="363893"/>
-            </a:xfrm>
-            <a:prstGeom prst="ellipse">
-              <a:avLst/>
-            </a:prstGeom>
-            <a:noFill/>
-            <a:ln w="25400">
-              <a:solidFill>
-                <a:srgbClr val="0070C0"/>
-              </a:solidFill>
-            </a:ln>
-          </p:spPr>
-          <p:style>
-            <a:lnRef idx="2">
-              <a:schemeClr val="accent1">
-                <a:shade val="50000"/>
-              </a:schemeClr>
-            </a:lnRef>
-            <a:fillRef idx="1">
-              <a:schemeClr val="accent1"/>
-            </a:fillRef>
-            <a:effectRef idx="0">
-              <a:schemeClr val="accent1"/>
-            </a:effectRef>
-            <a:fontRef idx="minor">
-              <a:schemeClr val="lt1"/>
-            </a:fontRef>
-          </p:style>
-          <p:txBody>
-            <a:bodyPr rtlCol="0" anchor="ctr"/>
-            <a:lstStyle/>
-            <a:p>
-              <a:pPr algn="ctr"/>
-              <a:endParaRPr lang="en-US"/>
-            </a:p>
-          </p:txBody>
-        </p:sp>
-        <p:sp>
-          <p:nvSpPr>
-            <p:cNvPr id="79" name="TextBox 78"/>
-            <p:cNvSpPr txBox="1"/>
-            <p:nvPr/>
-          </p:nvSpPr>
-          <p:spPr>
-            <a:xfrm>
-              <a:off x="8222114" y="2465982"/>
-              <a:ext cx="261257" cy="323165"/>
-            </a:xfrm>
-            <a:prstGeom prst="rect">
-              <a:avLst/>
-            </a:prstGeom>
-            <a:noFill/>
-          </p:spPr>
-          <p:txBody>
-            <a:bodyPr wrap="square" rtlCol="0">
-              <a:spAutoFit/>
-            </a:bodyPr>
-            <a:lstStyle/>
-            <a:p>
-              <a:r>
-                <a:rPr lang="en-US" sz="1500"/>
-                <a:t>9</a:t>
-              </a:r>
-            </a:p>
-          </p:txBody>
-        </p:sp>
-        <p:sp>
-          <p:nvSpPr>
-            <p:cNvPr id="80" name="Oval 79"/>
-            <p:cNvSpPr/>
-            <p:nvPr/>
-          </p:nvSpPr>
-          <p:spPr>
-            <a:xfrm>
-              <a:off x="7637323" y="4250745"/>
-              <a:ext cx="373225" cy="363893"/>
-            </a:xfrm>
-            <a:prstGeom prst="ellipse">
-              <a:avLst/>
-            </a:prstGeom>
-            <a:noFill/>
-            <a:ln w="25400">
-              <a:solidFill>
-                <a:srgbClr val="FF0000"/>
-              </a:solidFill>
-            </a:ln>
-          </p:spPr>
-          <p:style>
-            <a:lnRef idx="2">
-              <a:schemeClr val="accent1">
-                <a:shade val="50000"/>
-              </a:schemeClr>
-            </a:lnRef>
-            <a:fillRef idx="1">
-              <a:schemeClr val="accent1"/>
-            </a:fillRef>
-            <a:effectRef idx="0">
-              <a:schemeClr val="accent1"/>
-            </a:effectRef>
-            <a:fontRef idx="minor">
-              <a:schemeClr val="lt1"/>
-            </a:fontRef>
-          </p:style>
-          <p:txBody>
-            <a:bodyPr rtlCol="0" anchor="ctr"/>
-            <a:lstStyle/>
-            <a:p>
-              <a:pPr algn="ctr"/>
-              <a:endParaRPr lang="en-US"/>
-            </a:p>
-          </p:txBody>
-        </p:sp>
-        <p:sp>
-          <p:nvSpPr>
-            <p:cNvPr id="81" name="TextBox 80"/>
-            <p:cNvSpPr txBox="1"/>
-            <p:nvPr/>
-          </p:nvSpPr>
-          <p:spPr>
-            <a:xfrm>
-              <a:off x="7680328" y="4271108"/>
-              <a:ext cx="261257" cy="323165"/>
-            </a:xfrm>
-            <a:prstGeom prst="rect">
-              <a:avLst/>
-            </a:prstGeom>
-            <a:noFill/>
-          </p:spPr>
-          <p:txBody>
-            <a:bodyPr wrap="square" rtlCol="0">
-              <a:spAutoFit/>
-            </a:bodyPr>
-            <a:lstStyle/>
-            <a:p>
-              <a:r>
-                <a:rPr lang="en-US" sz="1500" smtClean="0"/>
-                <a:t>4</a:t>
-              </a:r>
-              <a:endParaRPr lang="en-US" sz="1500"/>
-            </a:p>
-          </p:txBody>
-        </p:sp>
-        <p:sp>
-          <p:nvSpPr>
-            <p:cNvPr id="82" name="Oval 81"/>
-            <p:cNvSpPr/>
-            <p:nvPr/>
-          </p:nvSpPr>
-          <p:spPr>
-            <a:xfrm>
-              <a:off x="8179109" y="4250745"/>
-              <a:ext cx="373225" cy="363893"/>
-            </a:xfrm>
-            <a:prstGeom prst="ellipse">
-              <a:avLst/>
-            </a:prstGeom>
-            <a:noFill/>
-            <a:ln w="25400">
-              <a:solidFill>
-                <a:srgbClr val="FF0000"/>
-              </a:solidFill>
-            </a:ln>
-          </p:spPr>
-          <p:style>
-            <a:lnRef idx="2">
-              <a:schemeClr val="accent1">
-                <a:shade val="50000"/>
-              </a:schemeClr>
-            </a:lnRef>
-            <a:fillRef idx="1">
-              <a:schemeClr val="accent1"/>
-            </a:fillRef>
-            <a:effectRef idx="0">
-              <a:schemeClr val="accent1"/>
-            </a:effectRef>
-            <a:fontRef idx="minor">
-              <a:schemeClr val="lt1"/>
-            </a:fontRef>
-          </p:style>
-          <p:txBody>
-            <a:bodyPr rtlCol="0" anchor="ctr"/>
-            <a:lstStyle/>
-            <a:p>
-              <a:pPr algn="ctr"/>
-              <a:endParaRPr lang="en-US"/>
-            </a:p>
-          </p:txBody>
-        </p:sp>
-        <p:sp>
-          <p:nvSpPr>
-            <p:cNvPr id="83" name="TextBox 82"/>
-            <p:cNvSpPr txBox="1"/>
-            <p:nvPr/>
-          </p:nvSpPr>
-          <p:spPr>
-            <a:xfrm>
-              <a:off x="8222114" y="4271108"/>
-              <a:ext cx="261257" cy="323165"/>
-            </a:xfrm>
-            <a:prstGeom prst="rect">
-              <a:avLst/>
-            </a:prstGeom>
-            <a:noFill/>
-          </p:spPr>
-          <p:txBody>
-            <a:bodyPr wrap="square" rtlCol="0">
-              <a:spAutoFit/>
-            </a:bodyPr>
-            <a:lstStyle/>
-            <a:p>
-              <a:r>
-                <a:rPr lang="en-US" sz="1500" smtClean="0"/>
-                <a:t>3</a:t>
-              </a:r>
-              <a:endParaRPr lang="en-US" sz="1500"/>
-            </a:p>
-          </p:txBody>
-        </p:sp>
-        <p:sp>
-          <p:nvSpPr>
-            <p:cNvPr id="84" name="Oval 83"/>
-            <p:cNvSpPr/>
-            <p:nvPr/>
-          </p:nvSpPr>
-          <p:spPr>
-            <a:xfrm>
-              <a:off x="7637323" y="1930326"/>
-              <a:ext cx="373225" cy="363893"/>
-            </a:xfrm>
-            <a:prstGeom prst="ellipse">
-              <a:avLst/>
-            </a:prstGeom>
-            <a:noFill/>
-            <a:ln w="25400">
-              <a:solidFill>
-                <a:srgbClr val="0070C0"/>
-              </a:solidFill>
-            </a:ln>
-          </p:spPr>
-          <p:style>
-            <a:lnRef idx="2">
-              <a:schemeClr val="accent1">
-                <a:shade val="50000"/>
-              </a:schemeClr>
-            </a:lnRef>
-            <a:fillRef idx="1">
-              <a:schemeClr val="accent1"/>
-            </a:fillRef>
-            <a:effectRef idx="0">
-              <a:schemeClr val="accent1"/>
-            </a:effectRef>
-            <a:fontRef idx="minor">
-              <a:schemeClr val="lt1"/>
-            </a:fontRef>
-          </p:style>
-          <p:txBody>
-            <a:bodyPr rtlCol="0" anchor="ctr"/>
-            <a:lstStyle/>
-            <a:p>
-              <a:pPr algn="ctr"/>
-              <a:endParaRPr lang="en-US"/>
-            </a:p>
-          </p:txBody>
-        </p:sp>
-        <p:sp>
-          <p:nvSpPr>
-            <p:cNvPr id="85" name="TextBox 84"/>
-            <p:cNvSpPr txBox="1"/>
-            <p:nvPr/>
-          </p:nvSpPr>
-          <p:spPr>
-            <a:xfrm>
-              <a:off x="7652335" y="1950689"/>
-              <a:ext cx="387973" cy="323165"/>
-            </a:xfrm>
-            <a:prstGeom prst="rect">
-              <a:avLst/>
-            </a:prstGeom>
-            <a:noFill/>
-          </p:spPr>
-          <p:txBody>
-            <a:bodyPr wrap="square" rtlCol="0">
-              <a:spAutoFit/>
-            </a:bodyPr>
-            <a:lstStyle/>
-            <a:p>
-              <a:r>
-                <a:rPr lang="en-US" sz="1500" smtClean="0"/>
-                <a:t>12</a:t>
-              </a:r>
-              <a:endParaRPr lang="en-US" sz="1500"/>
-            </a:p>
-          </p:txBody>
-        </p:sp>
-        <p:sp>
-          <p:nvSpPr>
-            <p:cNvPr id="86" name="Oval 85"/>
-            <p:cNvSpPr/>
-            <p:nvPr/>
-          </p:nvSpPr>
-          <p:spPr>
-            <a:xfrm>
-              <a:off x="8179109" y="1930326"/>
-              <a:ext cx="373225" cy="363893"/>
-            </a:xfrm>
-            <a:prstGeom prst="ellipse">
-              <a:avLst/>
-            </a:prstGeom>
-            <a:noFill/>
-            <a:ln w="25400">
-              <a:solidFill>
-                <a:srgbClr val="0070C0"/>
-              </a:solidFill>
-            </a:ln>
-          </p:spPr>
-          <p:style>
-            <a:lnRef idx="2">
-              <a:schemeClr val="accent1">
-                <a:shade val="50000"/>
-              </a:schemeClr>
-            </a:lnRef>
-            <a:fillRef idx="1">
-              <a:schemeClr val="accent1"/>
-            </a:fillRef>
-            <a:effectRef idx="0">
-              <a:schemeClr val="accent1"/>
-            </a:effectRef>
-            <a:fontRef idx="minor">
-              <a:schemeClr val="lt1"/>
-            </a:fontRef>
-          </p:style>
-          <p:txBody>
-            <a:bodyPr rtlCol="0" anchor="ctr"/>
-            <a:lstStyle/>
-            <a:p>
-              <a:pPr algn="ctr"/>
-              <a:endParaRPr lang="en-US"/>
-            </a:p>
-          </p:txBody>
-        </p:sp>
-        <p:sp>
-          <p:nvSpPr>
-            <p:cNvPr id="87" name="TextBox 86"/>
-            <p:cNvSpPr txBox="1"/>
-            <p:nvPr/>
-          </p:nvSpPr>
-          <p:spPr>
-            <a:xfrm>
-              <a:off x="8194121" y="1950689"/>
-              <a:ext cx="386791" cy="323165"/>
-            </a:xfrm>
-            <a:prstGeom prst="rect">
-              <a:avLst/>
-            </a:prstGeom>
-            <a:noFill/>
-          </p:spPr>
-          <p:txBody>
-            <a:bodyPr wrap="square" rtlCol="0">
-              <a:spAutoFit/>
-            </a:bodyPr>
-            <a:lstStyle/>
-            <a:p>
-              <a:r>
-                <a:rPr lang="en-US" sz="1500" smtClean="0"/>
-                <a:t>11</a:t>
-              </a:r>
-              <a:endParaRPr lang="en-US" sz="1500"/>
-            </a:p>
-          </p:txBody>
-        </p:sp>
-        <p:sp>
-          <p:nvSpPr>
-            <p:cNvPr id="88" name="Oval 87"/>
-            <p:cNvSpPr/>
-            <p:nvPr/>
-          </p:nvSpPr>
-          <p:spPr>
-            <a:xfrm>
-              <a:off x="7637323" y="4748273"/>
-              <a:ext cx="373225" cy="363893"/>
-            </a:xfrm>
-            <a:prstGeom prst="ellipse">
-              <a:avLst/>
-            </a:prstGeom>
-            <a:noFill/>
-            <a:ln w="25400">
-              <a:solidFill>
-                <a:srgbClr val="FF0000"/>
-              </a:solidFill>
-            </a:ln>
-          </p:spPr>
-          <p:style>
-            <a:lnRef idx="2">
-              <a:schemeClr val="accent1">
-                <a:shade val="50000"/>
-              </a:schemeClr>
-            </a:lnRef>
-            <a:fillRef idx="1">
-              <a:schemeClr val="accent1"/>
-            </a:fillRef>
-            <a:effectRef idx="0">
-              <a:schemeClr val="accent1"/>
-            </a:effectRef>
-            <a:fontRef idx="minor">
-              <a:schemeClr val="lt1"/>
-            </a:fontRef>
-          </p:style>
-          <p:txBody>
-            <a:bodyPr rtlCol="0" anchor="ctr"/>
-            <a:lstStyle/>
-            <a:p>
-              <a:pPr algn="ctr"/>
-              <a:endParaRPr lang="en-US"/>
-            </a:p>
-          </p:txBody>
-        </p:sp>
-        <p:sp>
-          <p:nvSpPr>
-            <p:cNvPr id="89" name="TextBox 88"/>
-            <p:cNvSpPr txBox="1"/>
-            <p:nvPr/>
-          </p:nvSpPr>
-          <p:spPr>
-            <a:xfrm>
-              <a:off x="7680328" y="4768636"/>
-              <a:ext cx="261257" cy="323165"/>
-            </a:xfrm>
-            <a:prstGeom prst="rect">
-              <a:avLst/>
-            </a:prstGeom>
-            <a:noFill/>
-          </p:spPr>
-          <p:txBody>
-            <a:bodyPr wrap="square" rtlCol="0">
-              <a:spAutoFit/>
-            </a:bodyPr>
-            <a:lstStyle/>
-            <a:p>
-              <a:r>
-                <a:rPr lang="en-US" sz="1500" smtClean="0"/>
-                <a:t>2</a:t>
-              </a:r>
-              <a:endParaRPr lang="en-US" sz="1500"/>
-            </a:p>
-          </p:txBody>
-        </p:sp>
-        <p:sp>
-          <p:nvSpPr>
-            <p:cNvPr id="90" name="Oval 89"/>
-            <p:cNvSpPr/>
-            <p:nvPr/>
-          </p:nvSpPr>
-          <p:spPr>
-            <a:xfrm>
-              <a:off x="8179109" y="4748273"/>
-              <a:ext cx="373225" cy="363893"/>
-            </a:xfrm>
-            <a:prstGeom prst="ellipse">
-              <a:avLst/>
-            </a:prstGeom>
-            <a:noFill/>
-            <a:ln w="25400">
-              <a:solidFill>
-                <a:srgbClr val="FF0000"/>
-              </a:solidFill>
-            </a:ln>
-          </p:spPr>
-          <p:style>
-            <a:lnRef idx="2">
-              <a:schemeClr val="accent1">
-                <a:shade val="50000"/>
-              </a:schemeClr>
-            </a:lnRef>
-            <a:fillRef idx="1">
-              <a:schemeClr val="accent1"/>
-            </a:fillRef>
-            <a:effectRef idx="0">
-              <a:schemeClr val="accent1"/>
-            </a:effectRef>
-            <a:fontRef idx="minor">
-              <a:schemeClr val="lt1"/>
-            </a:fontRef>
-          </p:style>
-          <p:txBody>
-            <a:bodyPr rtlCol="0" anchor="ctr"/>
-            <a:lstStyle/>
-            <a:p>
-              <a:pPr algn="ctr"/>
-              <a:endParaRPr lang="en-US"/>
-            </a:p>
-          </p:txBody>
-        </p:sp>
-        <p:sp>
-          <p:nvSpPr>
-            <p:cNvPr id="91" name="TextBox 90"/>
-            <p:cNvSpPr txBox="1"/>
-            <p:nvPr/>
-          </p:nvSpPr>
-          <p:spPr>
-            <a:xfrm>
-              <a:off x="8222114" y="4768636"/>
-              <a:ext cx="261257" cy="323165"/>
-            </a:xfrm>
-            <a:prstGeom prst="rect">
-              <a:avLst/>
-            </a:prstGeom>
-            <a:noFill/>
-          </p:spPr>
-          <p:txBody>
-            <a:bodyPr wrap="square" rtlCol="0">
-              <a:spAutoFit/>
-            </a:bodyPr>
-            <a:lstStyle/>
-            <a:p>
-              <a:r>
-                <a:rPr lang="en-US" sz="1500" smtClean="0"/>
-                <a:t>1</a:t>
-              </a:r>
-              <a:endParaRPr lang="en-US" sz="1500"/>
-            </a:p>
-          </p:txBody>
-        </p:sp>
-        <p:sp>
-          <p:nvSpPr>
-            <p:cNvPr id="92" name="Rounded Rectangle 91"/>
-            <p:cNvSpPr/>
-            <p:nvPr/>
-          </p:nvSpPr>
-          <p:spPr>
-            <a:xfrm>
-              <a:off x="3820580" y="4963887"/>
-              <a:ext cx="3405674" cy="1101012"/>
-            </a:xfrm>
-            <a:prstGeom prst="roundRect">
-              <a:avLst/>
-            </a:prstGeom>
-            <a:noFill/>
-            <a:ln w="31750">
-              <a:solidFill>
-                <a:schemeClr val="tx1"/>
-              </a:solidFill>
-            </a:ln>
-          </p:spPr>
-          <p:style>
-            <a:lnRef idx="2">
-              <a:schemeClr val="accent1">
-                <a:shade val="50000"/>
-              </a:schemeClr>
-            </a:lnRef>
-            <a:fillRef idx="1">
-              <a:schemeClr val="accent1"/>
-            </a:fillRef>
-            <a:effectRef idx="0">
-              <a:schemeClr val="accent1"/>
-            </a:effectRef>
-            <a:fontRef idx="minor">
-              <a:schemeClr val="lt1"/>
-            </a:fontRef>
-          </p:style>
-          <p:txBody>
-            <a:bodyPr rtlCol="0" anchor="ctr"/>
-            <a:lstStyle/>
-            <a:p>
-              <a:pPr algn="ctr"/>
-              <a:endParaRPr lang="en-US"/>
-            </a:p>
-          </p:txBody>
-        </p:sp>
-        <p:sp>
-          <p:nvSpPr>
-            <p:cNvPr id="93" name="Oval 92"/>
-            <p:cNvSpPr/>
-            <p:nvPr/>
-          </p:nvSpPr>
-          <p:spPr>
-            <a:xfrm>
-              <a:off x="4988660" y="5060303"/>
-              <a:ext cx="373225" cy="363893"/>
-            </a:xfrm>
-            <a:prstGeom prst="ellipse">
-              <a:avLst/>
-            </a:prstGeom>
-            <a:noFill/>
-            <a:ln w="25400">
-              <a:solidFill>
-                <a:srgbClr val="FF0000"/>
-              </a:solidFill>
-            </a:ln>
-          </p:spPr>
-          <p:style>
-            <a:lnRef idx="2">
-              <a:schemeClr val="accent1">
-                <a:shade val="50000"/>
-              </a:schemeClr>
-            </a:lnRef>
-            <a:fillRef idx="1">
-              <a:schemeClr val="accent1"/>
-            </a:fillRef>
-            <a:effectRef idx="0">
-              <a:schemeClr val="accent1"/>
-            </a:effectRef>
-            <a:fontRef idx="minor">
-              <a:schemeClr val="lt1"/>
-            </a:fontRef>
-          </p:style>
-          <p:txBody>
-            <a:bodyPr rtlCol="0" anchor="ctr"/>
-            <a:lstStyle/>
-            <a:p>
-              <a:pPr algn="ctr"/>
-              <a:endParaRPr lang="en-US"/>
-            </a:p>
-          </p:txBody>
-        </p:sp>
-        <p:sp>
-          <p:nvSpPr>
-            <p:cNvPr id="94" name="TextBox 93"/>
-            <p:cNvSpPr txBox="1"/>
-            <p:nvPr/>
-          </p:nvSpPr>
-          <p:spPr>
-            <a:xfrm>
-              <a:off x="5031665" y="5089997"/>
-              <a:ext cx="261257" cy="323165"/>
-            </a:xfrm>
-            <a:prstGeom prst="rect">
-              <a:avLst/>
-            </a:prstGeom>
-            <a:noFill/>
-          </p:spPr>
-          <p:txBody>
-            <a:bodyPr wrap="square" rtlCol="0">
-              <a:spAutoFit/>
-            </a:bodyPr>
-            <a:lstStyle/>
-            <a:p>
-              <a:r>
-                <a:rPr lang="en-US" sz="1500" smtClean="0"/>
-                <a:t>6</a:t>
-              </a:r>
-              <a:endParaRPr lang="en-US" sz="1500"/>
-            </a:p>
-          </p:txBody>
-        </p:sp>
-        <p:sp>
-          <p:nvSpPr>
-            <p:cNvPr id="95" name="Oval 94"/>
-            <p:cNvSpPr/>
-            <p:nvPr/>
-          </p:nvSpPr>
-          <p:spPr>
-            <a:xfrm>
-              <a:off x="4988660" y="5620896"/>
-              <a:ext cx="373225" cy="363893"/>
-            </a:xfrm>
-            <a:prstGeom prst="ellipse">
-              <a:avLst/>
-            </a:prstGeom>
-            <a:noFill/>
-            <a:ln w="25400">
-              <a:solidFill>
-                <a:srgbClr val="FF0000"/>
-              </a:solidFill>
-            </a:ln>
-          </p:spPr>
-          <p:style>
-            <a:lnRef idx="2">
-              <a:schemeClr val="accent1">
-                <a:shade val="50000"/>
-              </a:schemeClr>
-            </a:lnRef>
-            <a:fillRef idx="1">
-              <a:schemeClr val="accent1"/>
-            </a:fillRef>
-            <a:effectRef idx="0">
-              <a:schemeClr val="accent1"/>
-            </a:effectRef>
-            <a:fontRef idx="minor">
-              <a:schemeClr val="lt1"/>
-            </a:fontRef>
-          </p:style>
-          <p:txBody>
-            <a:bodyPr rtlCol="0" anchor="ctr"/>
-            <a:lstStyle/>
-            <a:p>
-              <a:pPr algn="ctr"/>
-              <a:endParaRPr lang="en-US"/>
-            </a:p>
-          </p:txBody>
-        </p:sp>
-        <p:sp>
-          <p:nvSpPr>
-            <p:cNvPr id="96" name="TextBox 95"/>
-            <p:cNvSpPr txBox="1"/>
-            <p:nvPr/>
-          </p:nvSpPr>
-          <p:spPr>
-            <a:xfrm>
-              <a:off x="5031665" y="5629470"/>
-              <a:ext cx="261257" cy="323165"/>
-            </a:xfrm>
-            <a:prstGeom prst="rect">
-              <a:avLst/>
-            </a:prstGeom>
-            <a:noFill/>
-          </p:spPr>
-          <p:txBody>
-            <a:bodyPr wrap="square" rtlCol="0">
-              <a:spAutoFit/>
-            </a:bodyPr>
-            <a:lstStyle/>
-            <a:p>
-              <a:r>
-                <a:rPr lang="en-US" sz="1500" smtClean="0"/>
-                <a:t>5</a:t>
-              </a:r>
-              <a:endParaRPr lang="en-US" sz="1500"/>
-            </a:p>
-          </p:txBody>
-        </p:sp>
-        <p:sp>
-          <p:nvSpPr>
-            <p:cNvPr id="97" name="Oval 96"/>
-            <p:cNvSpPr/>
-            <p:nvPr/>
-          </p:nvSpPr>
-          <p:spPr>
-            <a:xfrm>
-              <a:off x="5722745" y="5054081"/>
-              <a:ext cx="373225" cy="363893"/>
-            </a:xfrm>
-            <a:prstGeom prst="ellipse">
-              <a:avLst/>
-            </a:prstGeom>
-            <a:noFill/>
-            <a:ln w="25400">
-              <a:solidFill>
-                <a:srgbClr val="0070C0"/>
-              </a:solidFill>
-            </a:ln>
-          </p:spPr>
-          <p:style>
-            <a:lnRef idx="2">
-              <a:schemeClr val="accent1">
-                <a:shade val="50000"/>
-              </a:schemeClr>
-            </a:lnRef>
-            <a:fillRef idx="1">
-              <a:schemeClr val="accent1"/>
-            </a:fillRef>
-            <a:effectRef idx="0">
-              <a:schemeClr val="accent1"/>
-            </a:effectRef>
-            <a:fontRef idx="minor">
-              <a:schemeClr val="lt1"/>
-            </a:fontRef>
-          </p:style>
-          <p:txBody>
-            <a:bodyPr rtlCol="0" anchor="ctr"/>
-            <a:lstStyle/>
-            <a:p>
-              <a:pPr algn="ctr"/>
-              <a:endParaRPr lang="en-US"/>
-            </a:p>
-          </p:txBody>
-        </p:sp>
-        <p:sp>
-          <p:nvSpPr>
-            <p:cNvPr id="98" name="TextBox 97"/>
-            <p:cNvSpPr txBox="1"/>
-            <p:nvPr/>
-          </p:nvSpPr>
-          <p:spPr>
-            <a:xfrm>
-              <a:off x="5765750" y="5074444"/>
-              <a:ext cx="261257" cy="323165"/>
-            </a:xfrm>
-            <a:prstGeom prst="rect">
-              <a:avLst/>
-            </a:prstGeom>
-            <a:noFill/>
-          </p:spPr>
-          <p:txBody>
-            <a:bodyPr wrap="square" rtlCol="0">
-              <a:spAutoFit/>
-            </a:bodyPr>
-            <a:lstStyle/>
-            <a:p>
-              <a:r>
-                <a:rPr lang="en-US" sz="1500"/>
-                <a:t>8</a:t>
-              </a:r>
-            </a:p>
-          </p:txBody>
-        </p:sp>
-        <p:sp>
-          <p:nvSpPr>
-            <p:cNvPr id="99" name="Oval 98"/>
-            <p:cNvSpPr/>
-            <p:nvPr/>
-          </p:nvSpPr>
-          <p:spPr>
-            <a:xfrm>
-              <a:off x="5722745" y="5610515"/>
-              <a:ext cx="373225" cy="363893"/>
-            </a:xfrm>
-            <a:prstGeom prst="ellipse">
-              <a:avLst/>
-            </a:prstGeom>
-            <a:noFill/>
-            <a:ln w="25400">
-              <a:solidFill>
-                <a:srgbClr val="0070C0"/>
-              </a:solidFill>
-            </a:ln>
-          </p:spPr>
-          <p:style>
-            <a:lnRef idx="2">
-              <a:schemeClr val="accent1">
-                <a:shade val="50000"/>
-              </a:schemeClr>
-            </a:lnRef>
-            <a:fillRef idx="1">
-              <a:schemeClr val="accent1"/>
-            </a:fillRef>
-            <a:effectRef idx="0">
-              <a:schemeClr val="accent1"/>
-            </a:effectRef>
-            <a:fontRef idx="minor">
-              <a:schemeClr val="lt1"/>
-            </a:fontRef>
-          </p:style>
-          <p:txBody>
-            <a:bodyPr rtlCol="0" anchor="ctr"/>
-            <a:lstStyle/>
-            <a:p>
-              <a:pPr algn="ctr"/>
-              <a:endParaRPr lang="en-US"/>
-            </a:p>
-          </p:txBody>
-        </p:sp>
-        <p:sp>
-          <p:nvSpPr>
-            <p:cNvPr id="100" name="TextBox 99"/>
-            <p:cNvSpPr txBox="1"/>
-            <p:nvPr/>
-          </p:nvSpPr>
-          <p:spPr>
-            <a:xfrm>
-              <a:off x="5765750" y="5632579"/>
-              <a:ext cx="261257" cy="323165"/>
-            </a:xfrm>
-            <a:prstGeom prst="rect">
-              <a:avLst/>
-            </a:prstGeom>
-            <a:noFill/>
-          </p:spPr>
-          <p:txBody>
-            <a:bodyPr wrap="square" rtlCol="0">
-              <a:spAutoFit/>
-            </a:bodyPr>
-            <a:lstStyle/>
-            <a:p>
-              <a:r>
-                <a:rPr lang="en-US" sz="1500"/>
-                <a:t>7</a:t>
-              </a:r>
-            </a:p>
-          </p:txBody>
-        </p:sp>
-        <p:sp>
-          <p:nvSpPr>
-            <p:cNvPr id="101" name="Oval 100"/>
-            <p:cNvSpPr/>
-            <p:nvPr/>
-          </p:nvSpPr>
-          <p:spPr>
-            <a:xfrm>
-              <a:off x="6284134" y="5054081"/>
-              <a:ext cx="373225" cy="363893"/>
-            </a:xfrm>
-            <a:prstGeom prst="ellipse">
-              <a:avLst/>
-            </a:prstGeom>
-            <a:noFill/>
-            <a:ln w="25400">
-              <a:solidFill>
-                <a:srgbClr val="0070C0"/>
-              </a:solidFill>
-            </a:ln>
-          </p:spPr>
-          <p:style>
-            <a:lnRef idx="2">
-              <a:schemeClr val="accent1">
-                <a:shade val="50000"/>
-              </a:schemeClr>
-            </a:lnRef>
-            <a:fillRef idx="1">
-              <a:schemeClr val="accent1"/>
-            </a:fillRef>
-            <a:effectRef idx="0">
-              <a:schemeClr val="accent1"/>
-            </a:effectRef>
-            <a:fontRef idx="minor">
-              <a:schemeClr val="lt1"/>
-            </a:fontRef>
-          </p:style>
-          <p:txBody>
-            <a:bodyPr rtlCol="0" anchor="ctr"/>
-            <a:lstStyle/>
-            <a:p>
-              <a:pPr algn="ctr"/>
-              <a:endParaRPr lang="en-US"/>
-            </a:p>
-          </p:txBody>
-        </p:sp>
-        <p:sp>
-          <p:nvSpPr>
-            <p:cNvPr id="102" name="TextBox 101"/>
-            <p:cNvSpPr txBox="1"/>
-            <p:nvPr/>
-          </p:nvSpPr>
-          <p:spPr>
-            <a:xfrm>
-              <a:off x="6280483" y="5083775"/>
-              <a:ext cx="382557" cy="323165"/>
-            </a:xfrm>
-            <a:prstGeom prst="rect">
-              <a:avLst/>
-            </a:prstGeom>
-            <a:noFill/>
-          </p:spPr>
-          <p:txBody>
-            <a:bodyPr wrap="square" rtlCol="0">
-              <a:spAutoFit/>
-            </a:bodyPr>
-            <a:lstStyle/>
-            <a:p>
-              <a:r>
-                <a:rPr lang="en-US" sz="1500" smtClean="0"/>
-                <a:t>10</a:t>
-              </a:r>
-              <a:endParaRPr lang="en-US" sz="1500"/>
-            </a:p>
-          </p:txBody>
-        </p:sp>
-        <p:sp>
-          <p:nvSpPr>
-            <p:cNvPr id="103" name="Oval 102"/>
-            <p:cNvSpPr/>
-            <p:nvPr/>
-          </p:nvSpPr>
-          <p:spPr>
-            <a:xfrm>
-              <a:off x="6284134" y="5613591"/>
-              <a:ext cx="373225" cy="363893"/>
-            </a:xfrm>
-            <a:prstGeom prst="ellipse">
-              <a:avLst/>
-            </a:prstGeom>
-            <a:noFill/>
-            <a:ln w="25400">
-              <a:solidFill>
-                <a:srgbClr val="0070C0"/>
-              </a:solidFill>
-            </a:ln>
-          </p:spPr>
-          <p:style>
-            <a:lnRef idx="2">
-              <a:schemeClr val="accent1">
-                <a:shade val="50000"/>
-              </a:schemeClr>
-            </a:lnRef>
-            <a:fillRef idx="1">
-              <a:schemeClr val="accent1"/>
-            </a:fillRef>
-            <a:effectRef idx="0">
-              <a:schemeClr val="accent1"/>
-            </a:effectRef>
-            <a:fontRef idx="minor">
-              <a:schemeClr val="lt1"/>
-            </a:fontRef>
-          </p:style>
-          <p:txBody>
-            <a:bodyPr rtlCol="0" anchor="ctr"/>
-            <a:lstStyle/>
-            <a:p>
-              <a:pPr algn="ctr"/>
-              <a:endParaRPr lang="en-US"/>
-            </a:p>
-          </p:txBody>
-        </p:sp>
-        <p:sp>
-          <p:nvSpPr>
-            <p:cNvPr id="104" name="TextBox 103"/>
-            <p:cNvSpPr txBox="1"/>
-            <p:nvPr/>
-          </p:nvSpPr>
-          <p:spPr>
-            <a:xfrm>
-              <a:off x="6327139" y="5632579"/>
-              <a:ext cx="261257" cy="323165"/>
-            </a:xfrm>
-            <a:prstGeom prst="rect">
-              <a:avLst/>
-            </a:prstGeom>
-            <a:noFill/>
-          </p:spPr>
-          <p:txBody>
-            <a:bodyPr wrap="square" rtlCol="0">
-              <a:spAutoFit/>
-            </a:bodyPr>
-            <a:lstStyle/>
-            <a:p>
-              <a:r>
-                <a:rPr lang="en-US" sz="1500"/>
-                <a:t>9</a:t>
-              </a:r>
-            </a:p>
-          </p:txBody>
-        </p:sp>
-        <p:sp>
-          <p:nvSpPr>
-            <p:cNvPr id="105" name="Oval 104"/>
-            <p:cNvSpPr/>
-            <p:nvPr/>
-          </p:nvSpPr>
-          <p:spPr>
-            <a:xfrm>
-              <a:off x="6770875" y="5061711"/>
-              <a:ext cx="373225" cy="363893"/>
-            </a:xfrm>
-            <a:prstGeom prst="ellipse">
-              <a:avLst/>
-            </a:prstGeom>
-            <a:noFill/>
-            <a:ln w="25400">
-              <a:solidFill>
-                <a:srgbClr val="0070C0"/>
-              </a:solidFill>
-            </a:ln>
-          </p:spPr>
-          <p:style>
-            <a:lnRef idx="2">
-              <a:schemeClr val="accent1">
-                <a:shade val="50000"/>
-              </a:schemeClr>
-            </a:lnRef>
-            <a:fillRef idx="1">
-              <a:schemeClr val="accent1"/>
-            </a:fillRef>
-            <a:effectRef idx="0">
-              <a:schemeClr val="accent1"/>
-            </a:effectRef>
-            <a:fontRef idx="minor">
-              <a:schemeClr val="lt1"/>
-            </a:fontRef>
-          </p:style>
-          <p:txBody>
-            <a:bodyPr rtlCol="0" anchor="ctr"/>
-            <a:lstStyle/>
-            <a:p>
-              <a:pPr algn="ctr"/>
-              <a:endParaRPr lang="en-US"/>
-            </a:p>
-          </p:txBody>
-        </p:sp>
-        <p:sp>
-          <p:nvSpPr>
-            <p:cNvPr id="106" name="TextBox 105"/>
-            <p:cNvSpPr txBox="1"/>
-            <p:nvPr/>
-          </p:nvSpPr>
-          <p:spPr>
-            <a:xfrm>
-              <a:off x="6776556" y="5072743"/>
-              <a:ext cx="400045" cy="323165"/>
-            </a:xfrm>
-            <a:prstGeom prst="rect">
-              <a:avLst/>
-            </a:prstGeom>
-            <a:noFill/>
-          </p:spPr>
-          <p:txBody>
-            <a:bodyPr wrap="square" rtlCol="0">
-              <a:spAutoFit/>
-            </a:bodyPr>
-            <a:lstStyle/>
-            <a:p>
-              <a:r>
-                <a:rPr lang="en-US" sz="1500" smtClean="0"/>
-                <a:t>12</a:t>
-              </a:r>
-              <a:endParaRPr lang="en-US" sz="1500"/>
-            </a:p>
-          </p:txBody>
-        </p:sp>
-        <p:sp>
-          <p:nvSpPr>
-            <p:cNvPr id="107" name="Oval 106"/>
-            <p:cNvSpPr/>
-            <p:nvPr/>
-          </p:nvSpPr>
-          <p:spPr>
-            <a:xfrm>
-              <a:off x="6769035" y="5610513"/>
-              <a:ext cx="373225" cy="363893"/>
-            </a:xfrm>
-            <a:prstGeom prst="ellipse">
-              <a:avLst/>
-            </a:prstGeom>
-            <a:noFill/>
-            <a:ln w="25400">
-              <a:solidFill>
-                <a:srgbClr val="0070C0"/>
-              </a:solidFill>
-            </a:ln>
-          </p:spPr>
-          <p:style>
-            <a:lnRef idx="2">
-              <a:schemeClr val="accent1">
-                <a:shade val="50000"/>
-              </a:schemeClr>
-            </a:lnRef>
-            <a:fillRef idx="1">
-              <a:schemeClr val="accent1"/>
-            </a:fillRef>
-            <a:effectRef idx="0">
-              <a:schemeClr val="accent1"/>
-            </a:effectRef>
-            <a:fontRef idx="minor">
-              <a:schemeClr val="lt1"/>
-            </a:fontRef>
-          </p:style>
-          <p:txBody>
-            <a:bodyPr rtlCol="0" anchor="ctr"/>
-            <a:lstStyle/>
-            <a:p>
-              <a:pPr algn="ctr"/>
-              <a:endParaRPr lang="en-US"/>
-            </a:p>
-          </p:txBody>
-        </p:sp>
-        <p:sp>
-          <p:nvSpPr>
-            <p:cNvPr id="108" name="TextBox 107"/>
-            <p:cNvSpPr txBox="1"/>
-            <p:nvPr/>
-          </p:nvSpPr>
-          <p:spPr>
-            <a:xfrm>
-              <a:off x="6767225" y="5640209"/>
-              <a:ext cx="391523" cy="323165"/>
-            </a:xfrm>
-            <a:prstGeom prst="rect">
-              <a:avLst/>
-            </a:prstGeom>
-            <a:noFill/>
-          </p:spPr>
-          <p:txBody>
-            <a:bodyPr wrap="square" rtlCol="0">
-              <a:spAutoFit/>
-            </a:bodyPr>
-            <a:lstStyle/>
-            <a:p>
-              <a:r>
-                <a:rPr lang="en-US" sz="1500" smtClean="0"/>
-                <a:t>11</a:t>
-              </a:r>
-              <a:endParaRPr lang="en-US" sz="1500"/>
-            </a:p>
-          </p:txBody>
-        </p:sp>
-        <p:sp>
-          <p:nvSpPr>
-            <p:cNvPr id="109" name="Oval 108"/>
-            <p:cNvSpPr/>
-            <p:nvPr/>
-          </p:nvSpPr>
-          <p:spPr>
-            <a:xfrm>
-              <a:off x="3902377" y="5067933"/>
-              <a:ext cx="373225" cy="363893"/>
-            </a:xfrm>
-            <a:prstGeom prst="ellipse">
-              <a:avLst/>
-            </a:prstGeom>
-            <a:noFill/>
-            <a:ln w="25400">
-              <a:solidFill>
-                <a:srgbClr val="FF0000"/>
-              </a:solidFill>
-            </a:ln>
-          </p:spPr>
-          <p:style>
-            <a:lnRef idx="2">
-              <a:schemeClr val="accent1">
-                <a:shade val="50000"/>
-              </a:schemeClr>
-            </a:lnRef>
-            <a:fillRef idx="1">
-              <a:schemeClr val="accent1"/>
-            </a:fillRef>
-            <a:effectRef idx="0">
-              <a:schemeClr val="accent1"/>
-            </a:effectRef>
-            <a:fontRef idx="minor">
-              <a:schemeClr val="lt1"/>
-            </a:fontRef>
-          </p:style>
-          <p:txBody>
-            <a:bodyPr rtlCol="0" anchor="ctr"/>
-            <a:lstStyle/>
-            <a:p>
-              <a:pPr algn="ctr"/>
-              <a:endParaRPr lang="en-US"/>
-            </a:p>
-          </p:txBody>
-        </p:sp>
-        <p:sp>
-          <p:nvSpPr>
-            <p:cNvPr id="110" name="TextBox 109"/>
-            <p:cNvSpPr txBox="1"/>
-            <p:nvPr/>
-          </p:nvSpPr>
-          <p:spPr>
-            <a:xfrm>
-              <a:off x="3945382" y="5088296"/>
-              <a:ext cx="261257" cy="323165"/>
-            </a:xfrm>
-            <a:prstGeom prst="rect">
-              <a:avLst/>
-            </a:prstGeom>
-            <a:noFill/>
-          </p:spPr>
-          <p:txBody>
-            <a:bodyPr wrap="square" rtlCol="0">
-              <a:spAutoFit/>
-            </a:bodyPr>
-            <a:lstStyle/>
-            <a:p>
-              <a:r>
-                <a:rPr lang="en-US" sz="1500" smtClean="0"/>
-                <a:t>2</a:t>
-              </a:r>
-              <a:endParaRPr lang="en-US" sz="1500"/>
-            </a:p>
-          </p:txBody>
-        </p:sp>
-        <p:sp>
-          <p:nvSpPr>
-            <p:cNvPr id="111" name="Oval 110"/>
-            <p:cNvSpPr/>
-            <p:nvPr/>
-          </p:nvSpPr>
-          <p:spPr>
-            <a:xfrm>
-              <a:off x="3902377" y="5616737"/>
-              <a:ext cx="373225" cy="363893"/>
-            </a:xfrm>
-            <a:prstGeom prst="ellipse">
-              <a:avLst/>
-            </a:prstGeom>
-            <a:noFill/>
-            <a:ln w="25400">
-              <a:solidFill>
-                <a:srgbClr val="FF0000"/>
-              </a:solidFill>
-            </a:ln>
-          </p:spPr>
-          <p:style>
-            <a:lnRef idx="2">
-              <a:schemeClr val="accent1">
-                <a:shade val="50000"/>
-              </a:schemeClr>
-            </a:lnRef>
-            <a:fillRef idx="1">
-              <a:schemeClr val="accent1"/>
-            </a:fillRef>
-            <a:effectRef idx="0">
-              <a:schemeClr val="accent1"/>
-            </a:effectRef>
-            <a:fontRef idx="minor">
-              <a:schemeClr val="lt1"/>
-            </a:fontRef>
-          </p:style>
-          <p:txBody>
-            <a:bodyPr rtlCol="0" anchor="ctr"/>
-            <a:lstStyle/>
-            <a:p>
-              <a:pPr algn="ctr"/>
-              <a:endParaRPr lang="en-US"/>
-            </a:p>
-          </p:txBody>
-        </p:sp>
-        <p:sp>
-          <p:nvSpPr>
-            <p:cNvPr id="112" name="TextBox 111"/>
-            <p:cNvSpPr txBox="1"/>
-            <p:nvPr/>
-          </p:nvSpPr>
-          <p:spPr>
-            <a:xfrm>
-              <a:off x="3945382" y="5637100"/>
-              <a:ext cx="261257" cy="323165"/>
-            </a:xfrm>
-            <a:prstGeom prst="rect">
-              <a:avLst/>
-            </a:prstGeom>
-            <a:noFill/>
-          </p:spPr>
-          <p:txBody>
-            <a:bodyPr wrap="square" rtlCol="0">
-              <a:spAutoFit/>
-            </a:bodyPr>
-            <a:lstStyle/>
-            <a:p>
-              <a:r>
-                <a:rPr lang="en-US" sz="1500" smtClean="0"/>
-                <a:t>1</a:t>
-              </a:r>
-              <a:endParaRPr lang="en-US" sz="1500"/>
-            </a:p>
-          </p:txBody>
-        </p:sp>
-        <p:sp>
-          <p:nvSpPr>
-            <p:cNvPr id="113" name="Oval 112"/>
-            <p:cNvSpPr/>
-            <p:nvPr/>
-          </p:nvSpPr>
-          <p:spPr>
-            <a:xfrm>
-              <a:off x="4448816" y="5061711"/>
-              <a:ext cx="373225" cy="363893"/>
-            </a:xfrm>
-            <a:prstGeom prst="ellipse">
-              <a:avLst/>
-            </a:prstGeom>
-            <a:noFill/>
-            <a:ln w="25400">
-              <a:solidFill>
-                <a:srgbClr val="FF0000"/>
-              </a:solidFill>
-            </a:ln>
-          </p:spPr>
-          <p:style>
-            <a:lnRef idx="2">
-              <a:schemeClr val="accent1">
-                <a:shade val="50000"/>
-              </a:schemeClr>
-            </a:lnRef>
-            <a:fillRef idx="1">
-              <a:schemeClr val="accent1"/>
-            </a:fillRef>
-            <a:effectRef idx="0">
-              <a:schemeClr val="accent1"/>
-            </a:effectRef>
-            <a:fontRef idx="minor">
-              <a:schemeClr val="lt1"/>
-            </a:fontRef>
-          </p:style>
-          <p:txBody>
-            <a:bodyPr rtlCol="0" anchor="ctr"/>
-            <a:lstStyle/>
-            <a:p>
-              <a:pPr algn="ctr"/>
-              <a:endParaRPr lang="en-US"/>
-            </a:p>
-          </p:txBody>
-        </p:sp>
-        <p:sp>
-          <p:nvSpPr>
-            <p:cNvPr id="114" name="TextBox 113"/>
-            <p:cNvSpPr txBox="1"/>
-            <p:nvPr/>
-          </p:nvSpPr>
-          <p:spPr>
-            <a:xfrm>
-              <a:off x="4491821" y="5082074"/>
-              <a:ext cx="261257" cy="323165"/>
-            </a:xfrm>
-            <a:prstGeom prst="rect">
-              <a:avLst/>
-            </a:prstGeom>
-            <a:noFill/>
-          </p:spPr>
-          <p:txBody>
-            <a:bodyPr wrap="square" rtlCol="0">
-              <a:spAutoFit/>
-            </a:bodyPr>
-            <a:lstStyle/>
-            <a:p>
-              <a:r>
-                <a:rPr lang="en-US" sz="1500" smtClean="0"/>
-                <a:t>4</a:t>
-              </a:r>
-              <a:endParaRPr lang="en-US" sz="1500"/>
-            </a:p>
-          </p:txBody>
-        </p:sp>
-        <p:sp>
-          <p:nvSpPr>
-            <p:cNvPr id="115" name="Oval 114"/>
-            <p:cNvSpPr/>
-            <p:nvPr/>
-          </p:nvSpPr>
-          <p:spPr>
-            <a:xfrm>
-              <a:off x="4448816" y="5610515"/>
-              <a:ext cx="373225" cy="363893"/>
-            </a:xfrm>
-            <a:prstGeom prst="ellipse">
-              <a:avLst/>
-            </a:prstGeom>
-            <a:noFill/>
-            <a:ln w="25400">
-              <a:solidFill>
-                <a:srgbClr val="FF0000"/>
-              </a:solidFill>
-            </a:ln>
-          </p:spPr>
-          <p:style>
-            <a:lnRef idx="2">
-              <a:schemeClr val="accent1">
-                <a:shade val="50000"/>
-              </a:schemeClr>
-            </a:lnRef>
-            <a:fillRef idx="1">
-              <a:schemeClr val="accent1"/>
-            </a:fillRef>
-            <a:effectRef idx="0">
-              <a:schemeClr val="accent1"/>
-            </a:effectRef>
-            <a:fontRef idx="minor">
-              <a:schemeClr val="lt1"/>
-            </a:fontRef>
-          </p:style>
-          <p:txBody>
-            <a:bodyPr rtlCol="0" anchor="ctr"/>
-            <a:lstStyle/>
-            <a:p>
-              <a:pPr algn="ctr"/>
-              <a:endParaRPr lang="en-US"/>
-            </a:p>
-          </p:txBody>
-        </p:sp>
-        <p:sp>
-          <p:nvSpPr>
-            <p:cNvPr id="116" name="TextBox 115"/>
-            <p:cNvSpPr txBox="1"/>
-            <p:nvPr/>
-          </p:nvSpPr>
-          <p:spPr>
-            <a:xfrm>
-              <a:off x="4491821" y="5630878"/>
-              <a:ext cx="261257" cy="323165"/>
-            </a:xfrm>
-            <a:prstGeom prst="rect">
-              <a:avLst/>
-            </a:prstGeom>
-            <a:noFill/>
-          </p:spPr>
-          <p:txBody>
-            <a:bodyPr wrap="square" rtlCol="0">
-              <a:spAutoFit/>
-            </a:bodyPr>
-            <a:lstStyle/>
-            <a:p>
-              <a:r>
-                <a:rPr lang="en-US" sz="1500" smtClean="0"/>
-                <a:t>3</a:t>
-              </a:r>
-              <a:endParaRPr lang="en-US" sz="1500"/>
-            </a:p>
-          </p:txBody>
-        </p:sp>
-        <p:sp>
-          <p:nvSpPr>
-            <p:cNvPr id="118" name="Down Arrow 117"/>
-            <p:cNvSpPr/>
-            <p:nvPr/>
-          </p:nvSpPr>
-          <p:spPr>
-            <a:xfrm>
-              <a:off x="4048122" y="4469649"/>
-              <a:ext cx="400694" cy="441403"/>
-            </a:xfrm>
-            <a:prstGeom prst="downArrow">
-              <a:avLst/>
-            </a:prstGeom>
-          </p:spPr>
-          <p:style>
-            <a:lnRef idx="2">
-              <a:schemeClr val="accent1">
-                <a:shade val="50000"/>
-              </a:schemeClr>
-            </a:lnRef>
-            <a:fillRef idx="1">
-              <a:schemeClr val="accent1"/>
-            </a:fillRef>
-            <a:effectRef idx="0">
-              <a:schemeClr val="accent1"/>
-            </a:effectRef>
-            <a:fontRef idx="minor">
-              <a:schemeClr val="lt1"/>
-            </a:fontRef>
-          </p:style>
-          <p:txBody>
-            <a:bodyPr rtlCol="0" anchor="ctr"/>
-            <a:lstStyle/>
-            <a:p>
-              <a:pPr algn="ctr"/>
-              <a:endParaRPr lang="en-US"/>
-            </a:p>
-          </p:txBody>
-        </p:sp>
-        <p:sp>
-          <p:nvSpPr>
-            <p:cNvPr id="119" name="Down Arrow 118"/>
-            <p:cNvSpPr/>
-            <p:nvPr/>
-          </p:nvSpPr>
-          <p:spPr>
-            <a:xfrm rot="10800000">
-              <a:off x="4048123" y="6130713"/>
-              <a:ext cx="462761" cy="393912"/>
-            </a:xfrm>
-            <a:prstGeom prst="downArrow">
-              <a:avLst/>
-            </a:prstGeom>
-          </p:spPr>
-          <p:style>
-            <a:lnRef idx="2">
-              <a:schemeClr val="accent1">
-                <a:shade val="50000"/>
-              </a:schemeClr>
-            </a:lnRef>
-            <a:fillRef idx="1">
-              <a:schemeClr val="accent1"/>
-            </a:fillRef>
-            <a:effectRef idx="0">
-              <a:schemeClr val="accent1"/>
-            </a:effectRef>
-            <a:fontRef idx="minor">
-              <a:schemeClr val="lt1"/>
-            </a:fontRef>
-          </p:style>
-          <p:txBody>
-            <a:bodyPr rtlCol="0" anchor="ctr"/>
-            <a:lstStyle/>
-            <a:p>
-              <a:pPr algn="ctr"/>
-              <a:endParaRPr lang="en-US"/>
-            </a:p>
-          </p:txBody>
-        </p:sp>
-        <p:sp>
-          <p:nvSpPr>
-            <p:cNvPr id="120" name="Down Arrow 119"/>
-            <p:cNvSpPr/>
-            <p:nvPr/>
-          </p:nvSpPr>
-          <p:spPr>
-            <a:xfrm>
-              <a:off x="3958755" y="541176"/>
-              <a:ext cx="224141" cy="606489"/>
-            </a:xfrm>
-            <a:prstGeom prst="downArrow">
-              <a:avLst/>
-            </a:prstGeom>
-          </p:spPr>
-          <p:style>
-            <a:lnRef idx="2">
-              <a:schemeClr val="accent1">
-                <a:shade val="50000"/>
-              </a:schemeClr>
-            </a:lnRef>
-            <a:fillRef idx="1">
-              <a:schemeClr val="accent1"/>
-            </a:fillRef>
-            <a:effectRef idx="0">
-              <a:schemeClr val="accent1"/>
-            </a:effectRef>
-            <a:fontRef idx="minor">
-              <a:schemeClr val="lt1"/>
-            </a:fontRef>
-          </p:style>
-          <p:txBody>
-            <a:bodyPr rtlCol="0" anchor="ctr"/>
-            <a:lstStyle/>
-            <a:p>
-              <a:pPr algn="ctr"/>
-              <a:endParaRPr lang="en-US"/>
-            </a:p>
-          </p:txBody>
-        </p:sp>
-        <p:sp>
-          <p:nvSpPr>
-            <p:cNvPr id="121" name="Down Arrow 120"/>
-            <p:cNvSpPr/>
-            <p:nvPr/>
-          </p:nvSpPr>
-          <p:spPr>
-            <a:xfrm>
-              <a:off x="4501489" y="541176"/>
-              <a:ext cx="224141" cy="606489"/>
-            </a:xfrm>
-            <a:prstGeom prst="downArrow">
-              <a:avLst/>
-            </a:prstGeom>
-          </p:spPr>
-          <p:style>
-            <a:lnRef idx="2">
-              <a:schemeClr val="accent1">
-                <a:shade val="50000"/>
-              </a:schemeClr>
-            </a:lnRef>
-            <a:fillRef idx="1">
-              <a:schemeClr val="accent1"/>
-            </a:fillRef>
-            <a:effectRef idx="0">
-              <a:schemeClr val="accent1"/>
-            </a:effectRef>
-            <a:fontRef idx="minor">
-              <a:schemeClr val="lt1"/>
-            </a:fontRef>
-          </p:style>
-          <p:txBody>
-            <a:bodyPr rtlCol="0" anchor="ctr"/>
-            <a:lstStyle/>
-            <a:p>
-              <a:pPr algn="ctr"/>
-              <a:endParaRPr lang="en-US"/>
-            </a:p>
-          </p:txBody>
-        </p:sp>
-        <p:sp>
-          <p:nvSpPr>
-            <p:cNvPr id="122" name="Down Arrow 121"/>
-            <p:cNvSpPr/>
-            <p:nvPr/>
-          </p:nvSpPr>
-          <p:spPr>
-            <a:xfrm>
-              <a:off x="5082559" y="541176"/>
-              <a:ext cx="224141" cy="606489"/>
-            </a:xfrm>
-            <a:prstGeom prst="downArrow">
-              <a:avLst/>
-            </a:prstGeom>
-          </p:spPr>
-          <p:style>
-            <a:lnRef idx="2">
-              <a:schemeClr val="accent1">
-                <a:shade val="50000"/>
-              </a:schemeClr>
-            </a:lnRef>
-            <a:fillRef idx="1">
-              <a:schemeClr val="accent1"/>
-            </a:fillRef>
-            <a:effectRef idx="0">
-              <a:schemeClr val="accent1"/>
-            </a:effectRef>
-            <a:fontRef idx="minor">
-              <a:schemeClr val="lt1"/>
-            </a:fontRef>
-          </p:style>
-          <p:txBody>
-            <a:bodyPr rtlCol="0" anchor="ctr"/>
-            <a:lstStyle/>
-            <a:p>
-              <a:pPr algn="ctr"/>
-              <a:endParaRPr lang="en-US"/>
-            </a:p>
-          </p:txBody>
-        </p:sp>
-        <p:sp>
-          <p:nvSpPr>
-            <p:cNvPr id="123" name="Down Arrow 122"/>
-            <p:cNvSpPr/>
-            <p:nvPr/>
-          </p:nvSpPr>
-          <p:spPr>
-            <a:xfrm>
-              <a:off x="5726625" y="541176"/>
-              <a:ext cx="224141" cy="606489"/>
-            </a:xfrm>
-            <a:prstGeom prst="downArrow">
-              <a:avLst/>
-            </a:prstGeom>
-          </p:spPr>
-          <p:style>
-            <a:lnRef idx="2">
-              <a:schemeClr val="accent1">
-                <a:shade val="50000"/>
-              </a:schemeClr>
-            </a:lnRef>
-            <a:fillRef idx="1">
-              <a:schemeClr val="accent1"/>
-            </a:fillRef>
-            <a:effectRef idx="0">
-              <a:schemeClr val="accent1"/>
-            </a:effectRef>
-            <a:fontRef idx="minor">
-              <a:schemeClr val="lt1"/>
-            </a:fontRef>
-          </p:style>
-          <p:txBody>
-            <a:bodyPr rtlCol="0" anchor="ctr"/>
-            <a:lstStyle/>
-            <a:p>
-              <a:pPr algn="ctr"/>
-              <a:endParaRPr lang="en-US"/>
-            </a:p>
-          </p:txBody>
-        </p:sp>
-        <p:sp>
-          <p:nvSpPr>
-            <p:cNvPr id="124" name="Down Arrow 123"/>
-            <p:cNvSpPr/>
-            <p:nvPr/>
-          </p:nvSpPr>
-          <p:spPr>
-            <a:xfrm>
-              <a:off x="6269359" y="541176"/>
-              <a:ext cx="224141" cy="606489"/>
-            </a:xfrm>
-            <a:prstGeom prst="downArrow">
-              <a:avLst/>
-            </a:prstGeom>
-          </p:spPr>
-          <p:style>
-            <a:lnRef idx="2">
-              <a:schemeClr val="accent1">
-                <a:shade val="50000"/>
-              </a:schemeClr>
-            </a:lnRef>
-            <a:fillRef idx="1">
-              <a:schemeClr val="accent1"/>
-            </a:fillRef>
-            <a:effectRef idx="0">
-              <a:schemeClr val="accent1"/>
-            </a:effectRef>
-            <a:fontRef idx="minor">
-              <a:schemeClr val="lt1"/>
-            </a:fontRef>
-          </p:style>
-          <p:txBody>
-            <a:bodyPr rtlCol="0" anchor="ctr"/>
-            <a:lstStyle/>
-            <a:p>
-              <a:pPr algn="ctr"/>
-              <a:endParaRPr lang="en-US"/>
-            </a:p>
-          </p:txBody>
-        </p:sp>
-        <p:sp>
-          <p:nvSpPr>
-            <p:cNvPr id="125" name="Down Arrow 124"/>
-            <p:cNvSpPr/>
-            <p:nvPr/>
-          </p:nvSpPr>
-          <p:spPr>
-            <a:xfrm>
-              <a:off x="6850429" y="541176"/>
-              <a:ext cx="224141" cy="606489"/>
-            </a:xfrm>
-            <a:prstGeom prst="downArrow">
-              <a:avLst/>
-            </a:prstGeom>
-          </p:spPr>
-          <p:style>
-            <a:lnRef idx="2">
-              <a:schemeClr val="accent1">
-                <a:shade val="50000"/>
-              </a:schemeClr>
-            </a:lnRef>
-            <a:fillRef idx="1">
-              <a:schemeClr val="accent1"/>
-            </a:fillRef>
-            <a:effectRef idx="0">
-              <a:schemeClr val="accent1"/>
-            </a:effectRef>
-            <a:fontRef idx="minor">
-              <a:schemeClr val="lt1"/>
-            </a:fontRef>
-          </p:style>
-          <p:txBody>
-            <a:bodyPr rtlCol="0" anchor="ctr"/>
-            <a:lstStyle/>
-            <a:p>
-              <a:pPr algn="ctr"/>
-              <a:endParaRPr lang="en-US"/>
-            </a:p>
-          </p:txBody>
-        </p:sp>
-        <p:sp>
-          <p:nvSpPr>
-            <p:cNvPr id="127" name="TextBox 126"/>
-            <p:cNvSpPr txBox="1"/>
-            <p:nvPr/>
-          </p:nvSpPr>
-          <p:spPr>
-            <a:xfrm>
-              <a:off x="5079934" y="115860"/>
-              <a:ext cx="1413566" cy="369332"/>
-            </a:xfrm>
-            <a:prstGeom prst="rect">
-              <a:avLst/>
-            </a:prstGeom>
-            <a:noFill/>
-          </p:spPr>
-          <p:txBody>
-            <a:bodyPr wrap="square" rtlCol="0">
-              <a:spAutoFit/>
-            </a:bodyPr>
-            <a:lstStyle/>
-            <a:p>
-              <a:r>
-                <a:rPr lang="en-US" b="1" smtClean="0">
-                  <a:solidFill>
-                    <a:srgbClr val="FF0000"/>
-                  </a:solidFill>
-                </a:rPr>
-                <a:t>TESTTER [2]</a:t>
-              </a:r>
-              <a:endParaRPr lang="en-US" b="1">
-                <a:solidFill>
-                  <a:srgbClr val="FF0000"/>
-                </a:solidFill>
-              </a:endParaRPr>
-            </a:p>
-          </p:txBody>
-        </p:sp>
-        <p:sp>
-          <p:nvSpPr>
-            <p:cNvPr id="128" name="TextBox 127"/>
-            <p:cNvSpPr txBox="1"/>
-            <p:nvPr/>
-          </p:nvSpPr>
-          <p:spPr>
-            <a:xfrm>
-              <a:off x="8683553" y="3212337"/>
-              <a:ext cx="1118052" cy="646331"/>
-            </a:xfrm>
-            <a:prstGeom prst="rect">
-              <a:avLst/>
-            </a:prstGeom>
-            <a:noFill/>
-          </p:spPr>
-          <p:txBody>
-            <a:bodyPr wrap="square" rtlCol="0">
-              <a:spAutoFit/>
-            </a:bodyPr>
-            <a:lstStyle/>
-            <a:p>
-              <a:r>
-                <a:rPr lang="en-US" b="1" smtClean="0">
-                  <a:solidFill>
-                    <a:srgbClr val="FF0000"/>
-                  </a:solidFill>
-                </a:rPr>
-                <a:t>VISION</a:t>
-              </a:r>
-            </a:p>
-            <a:p>
-              <a:r>
-                <a:rPr lang="en-US" b="1" smtClean="0">
-                  <a:solidFill>
-                    <a:srgbClr val="FF0000"/>
-                  </a:solidFill>
-                </a:rPr>
-                <a:t>[3]</a:t>
-              </a:r>
-              <a:endParaRPr lang="en-US" b="1">
-                <a:solidFill>
-                  <a:srgbClr val="FF0000"/>
-                </a:solidFill>
-              </a:endParaRPr>
-            </a:p>
-          </p:txBody>
-        </p:sp>
-        <p:sp>
-          <p:nvSpPr>
-            <p:cNvPr id="130" name="TextBox 129"/>
-            <p:cNvSpPr txBox="1"/>
-            <p:nvPr/>
-          </p:nvSpPr>
-          <p:spPr>
-            <a:xfrm>
-              <a:off x="954310" y="3212337"/>
-              <a:ext cx="1118052" cy="646331"/>
-            </a:xfrm>
-            <a:prstGeom prst="rect">
-              <a:avLst/>
-            </a:prstGeom>
-            <a:noFill/>
-          </p:spPr>
-          <p:txBody>
-            <a:bodyPr wrap="square" rtlCol="0">
-              <a:spAutoFit/>
-            </a:bodyPr>
-            <a:lstStyle/>
-            <a:p>
-              <a:r>
-                <a:rPr lang="en-US" b="1" smtClean="0">
-                  <a:solidFill>
-                    <a:srgbClr val="FF0000"/>
-                  </a:solidFill>
-                </a:rPr>
-                <a:t>INPUT</a:t>
-              </a:r>
-            </a:p>
-            <a:p>
-              <a:r>
-                <a:rPr lang="en-US" b="1" smtClean="0">
-                  <a:solidFill>
-                    <a:srgbClr val="FF0000"/>
-                  </a:solidFill>
-                </a:rPr>
-                <a:t>[1]</a:t>
-              </a:r>
-              <a:endParaRPr lang="en-US" b="1">
-                <a:solidFill>
-                  <a:srgbClr val="FF0000"/>
-                </a:solidFill>
-              </a:endParaRPr>
-            </a:p>
-          </p:txBody>
-        </p:sp>
-        <p:sp>
-          <p:nvSpPr>
-            <p:cNvPr id="131" name="TextBox 130"/>
-            <p:cNvSpPr txBox="1"/>
-            <p:nvPr/>
-          </p:nvSpPr>
-          <p:spPr>
-            <a:xfrm>
-              <a:off x="5162431" y="6287316"/>
-              <a:ext cx="1323141" cy="369332"/>
-            </a:xfrm>
-            <a:prstGeom prst="rect">
-              <a:avLst/>
-            </a:prstGeom>
-            <a:noFill/>
-          </p:spPr>
-          <p:txBody>
-            <a:bodyPr wrap="square" rtlCol="0">
-              <a:spAutoFit/>
-            </a:bodyPr>
-            <a:lstStyle/>
-            <a:p>
-              <a:r>
-                <a:rPr lang="en-US" b="1" smtClean="0">
-                  <a:solidFill>
-                    <a:srgbClr val="FF0000"/>
-                  </a:solidFill>
-                </a:rPr>
-                <a:t>OUTPUT [4]</a:t>
-              </a:r>
-              <a:endParaRPr lang="en-US" b="1">
-                <a:solidFill>
-                  <a:srgbClr val="FF0000"/>
-                </a:solidFill>
-              </a:endParaRPr>
-            </a:p>
-          </p:txBody>
-        </p:sp>
-        <p:sp>
-          <p:nvSpPr>
-            <p:cNvPr id="2" name="Curved Down Arrow 1"/>
-            <p:cNvSpPr/>
-            <p:nvPr/>
-          </p:nvSpPr>
-          <p:spPr>
-            <a:xfrm>
-              <a:off x="4842706" y="3064754"/>
-              <a:ext cx="1828800" cy="1058272"/>
-            </a:xfrm>
-            <a:prstGeom prst="curvedDownArrow">
-              <a:avLst/>
-            </a:prstGeom>
-          </p:spPr>
-          <p:style>
-            <a:lnRef idx="2">
-              <a:schemeClr val="accent1">
-                <a:shade val="50000"/>
-              </a:schemeClr>
-            </a:lnRef>
-            <a:fillRef idx="1">
-              <a:schemeClr val="accent1"/>
-            </a:fillRef>
-            <a:effectRef idx="0">
-              <a:schemeClr val="accent1"/>
-            </a:effectRef>
-            <a:fontRef idx="minor">
-              <a:schemeClr val="lt1"/>
-            </a:fontRef>
-          </p:style>
-          <p:txBody>
-            <a:bodyPr rtlCol="0" anchor="ctr"/>
-            <a:lstStyle/>
-            <a:p>
-              <a:pPr algn="ctr"/>
-              <a:endParaRPr lang="en-US">
-                <a:solidFill>
-                  <a:schemeClr val="tx1"/>
-                </a:solidFill>
-              </a:endParaRPr>
-            </a:p>
-          </p:txBody>
-        </p:sp>
-        <p:sp>
-          <p:nvSpPr>
-            <p:cNvPr id="8" name="Rectangle 7"/>
-            <p:cNvSpPr/>
-            <p:nvPr/>
-          </p:nvSpPr>
-          <p:spPr>
-            <a:xfrm>
-              <a:off x="2295331" y="1897223"/>
-              <a:ext cx="1287182" cy="1427582"/>
-            </a:xfrm>
-            <a:prstGeom prst="rect">
-              <a:avLst/>
-            </a:prstGeom>
-            <a:noFill/>
-            <a:ln w="31750">
-              <a:solidFill>
-                <a:srgbClr val="FF0000"/>
-              </a:solidFill>
-            </a:ln>
-          </p:spPr>
-          <p:style>
-            <a:lnRef idx="2">
-              <a:schemeClr val="accent1">
-                <a:shade val="50000"/>
-              </a:schemeClr>
-            </a:lnRef>
-            <a:fillRef idx="1">
-              <a:schemeClr val="accent1"/>
-            </a:fillRef>
-            <a:effectRef idx="0">
-              <a:schemeClr val="accent1"/>
-            </a:effectRef>
-            <a:fontRef idx="minor">
-              <a:schemeClr val="lt1"/>
-            </a:fontRef>
-          </p:style>
-          <p:txBody>
-            <a:bodyPr rtlCol="0" anchor="ctr"/>
-            <a:lstStyle/>
-            <a:p>
-              <a:pPr algn="ctr"/>
-              <a:endParaRPr lang="en-US"/>
-            </a:p>
-          </p:txBody>
-        </p:sp>
-        <p:sp>
-          <p:nvSpPr>
-            <p:cNvPr id="126" name="Rectangle 125"/>
-            <p:cNvSpPr/>
-            <p:nvPr/>
-          </p:nvSpPr>
-          <p:spPr>
-            <a:xfrm>
-              <a:off x="2298651" y="3692220"/>
-              <a:ext cx="1287182" cy="1492082"/>
-            </a:xfrm>
-            <a:prstGeom prst="rect">
-              <a:avLst/>
-            </a:prstGeom>
-            <a:noFill/>
-            <a:ln w="31750">
-              <a:solidFill>
-                <a:srgbClr val="FF0000"/>
-              </a:solidFill>
-            </a:ln>
-          </p:spPr>
-          <p:style>
-            <a:lnRef idx="2">
-              <a:schemeClr val="accent1">
-                <a:shade val="50000"/>
-              </a:schemeClr>
-            </a:lnRef>
-            <a:fillRef idx="1">
-              <a:schemeClr val="accent1"/>
-            </a:fillRef>
-            <a:effectRef idx="0">
-              <a:schemeClr val="accent1"/>
-            </a:effectRef>
-            <a:fontRef idx="minor">
-              <a:schemeClr val="lt1"/>
-            </a:fontRef>
-          </p:style>
-          <p:txBody>
-            <a:bodyPr rtlCol="0" anchor="ctr"/>
-            <a:lstStyle/>
-            <a:p>
-              <a:pPr algn="ctr"/>
-              <a:endParaRPr lang="en-US"/>
-            </a:p>
-          </p:txBody>
-        </p:sp>
-        <p:sp>
-          <p:nvSpPr>
-            <p:cNvPr id="129" name="Rectangle 128"/>
-            <p:cNvSpPr/>
-            <p:nvPr/>
-          </p:nvSpPr>
-          <p:spPr>
-            <a:xfrm>
-              <a:off x="3865702" y="1326053"/>
-              <a:ext cx="1504592" cy="978604"/>
-            </a:xfrm>
-            <a:prstGeom prst="rect">
-              <a:avLst/>
-            </a:prstGeom>
-            <a:noFill/>
-            <a:ln w="31750">
-              <a:solidFill>
-                <a:srgbClr val="FF0000"/>
-              </a:solidFill>
-            </a:ln>
-          </p:spPr>
-          <p:style>
-            <a:lnRef idx="2">
-              <a:schemeClr val="accent1">
-                <a:shade val="50000"/>
-              </a:schemeClr>
-            </a:lnRef>
-            <a:fillRef idx="1">
-              <a:schemeClr val="accent1"/>
-            </a:fillRef>
-            <a:effectRef idx="0">
-              <a:schemeClr val="accent1"/>
-            </a:effectRef>
-            <a:fontRef idx="minor">
-              <a:schemeClr val="lt1"/>
-            </a:fontRef>
-          </p:style>
-          <p:txBody>
-            <a:bodyPr rtlCol="0" anchor="ctr"/>
-            <a:lstStyle/>
-            <a:p>
-              <a:pPr algn="ctr"/>
-              <a:endParaRPr lang="en-US"/>
-            </a:p>
-          </p:txBody>
-        </p:sp>
-        <p:sp>
-          <p:nvSpPr>
-            <p:cNvPr id="132" name="Rectangle 131"/>
-            <p:cNvSpPr/>
-            <p:nvPr/>
-          </p:nvSpPr>
-          <p:spPr>
-            <a:xfrm>
-              <a:off x="5637237" y="1320837"/>
-              <a:ext cx="1545043" cy="978604"/>
-            </a:xfrm>
-            <a:prstGeom prst="rect">
-              <a:avLst/>
-            </a:prstGeom>
-            <a:noFill/>
-            <a:ln w="31750">
-              <a:solidFill>
-                <a:srgbClr val="FF0000"/>
-              </a:solidFill>
-            </a:ln>
-          </p:spPr>
-          <p:style>
-            <a:lnRef idx="2">
-              <a:schemeClr val="accent1">
-                <a:shade val="50000"/>
-              </a:schemeClr>
-            </a:lnRef>
-            <a:fillRef idx="1">
-              <a:schemeClr val="accent1"/>
-            </a:fillRef>
-            <a:effectRef idx="0">
-              <a:schemeClr val="accent1"/>
-            </a:effectRef>
-            <a:fontRef idx="minor">
-              <a:schemeClr val="lt1"/>
-            </a:fontRef>
-          </p:style>
-          <p:txBody>
-            <a:bodyPr rtlCol="0" anchor="ctr"/>
-            <a:lstStyle/>
-            <a:p>
-              <a:pPr algn="ctr"/>
-              <a:endParaRPr lang="en-US"/>
-            </a:p>
-          </p:txBody>
-        </p:sp>
-        <p:cxnSp>
-          <p:nvCxnSpPr>
-            <p:cNvPr id="56" name="Elbow Connector 55"/>
-            <p:cNvCxnSpPr/>
-            <p:nvPr/>
-          </p:nvCxnSpPr>
-          <p:spPr>
-            <a:xfrm>
-              <a:off x="944979" y="2193803"/>
-              <a:ext cx="1341021" cy="414194"/>
-            </a:xfrm>
-            <a:prstGeom prst="bentConnector3">
-              <a:avLst/>
-            </a:prstGeom>
-            <a:ln w="28575">
-              <a:solidFill>
-                <a:schemeClr val="tx1"/>
-              </a:solidFill>
-              <a:tailEnd type="triangle"/>
-            </a:ln>
-          </p:spPr>
-          <p:style>
-            <a:lnRef idx="1">
-              <a:schemeClr val="accent1"/>
-            </a:lnRef>
-            <a:fillRef idx="0">
-              <a:schemeClr val="accent1"/>
-            </a:fillRef>
-            <a:effectRef idx="0">
-              <a:schemeClr val="accent1"/>
-            </a:effectRef>
-            <a:fontRef idx="minor">
-              <a:schemeClr val="tx1"/>
-            </a:fontRef>
-          </p:style>
-        </p:cxnSp>
-        <p:sp>
-          <p:nvSpPr>
-            <p:cNvPr id="58" name="TextBox 57"/>
-            <p:cNvSpPr txBox="1"/>
-            <p:nvPr/>
-          </p:nvSpPr>
-          <p:spPr>
-            <a:xfrm>
-              <a:off x="855391" y="1915722"/>
-              <a:ext cx="676014" cy="307777"/>
-            </a:xfrm>
-            <a:prstGeom prst="rect">
-              <a:avLst/>
-            </a:prstGeom>
-            <a:noFill/>
-          </p:spPr>
-          <p:txBody>
-            <a:bodyPr wrap="square" rtlCol="0">
-              <a:spAutoFit/>
-            </a:bodyPr>
-            <a:lstStyle/>
-            <a:p>
-              <a:r>
-                <a:rPr lang="en-US" sz="1400" b="1" smtClean="0"/>
-                <a:t>CH2</a:t>
-              </a:r>
-              <a:endParaRPr lang="en-US" sz="1400" b="1"/>
-            </a:p>
-          </p:txBody>
-        </p:sp>
-        <p:cxnSp>
-          <p:nvCxnSpPr>
-            <p:cNvPr id="135" name="Elbow Connector 134"/>
-            <p:cNvCxnSpPr/>
-            <p:nvPr/>
-          </p:nvCxnSpPr>
-          <p:spPr>
-            <a:xfrm>
-              <a:off x="939920" y="4379878"/>
-              <a:ext cx="1341021" cy="414194"/>
-            </a:xfrm>
-            <a:prstGeom prst="bentConnector3">
-              <a:avLst/>
-            </a:prstGeom>
-            <a:ln w="28575">
-              <a:solidFill>
-                <a:schemeClr val="tx1"/>
-              </a:solidFill>
-              <a:tailEnd type="triangle"/>
-            </a:ln>
-          </p:spPr>
-          <p:style>
-            <a:lnRef idx="1">
-              <a:schemeClr val="accent1"/>
-            </a:lnRef>
-            <a:fillRef idx="0">
-              <a:schemeClr val="accent1"/>
-            </a:fillRef>
-            <a:effectRef idx="0">
-              <a:schemeClr val="accent1"/>
-            </a:effectRef>
-            <a:fontRef idx="minor">
-              <a:schemeClr val="tx1"/>
-            </a:fontRef>
-          </p:style>
-        </p:cxnSp>
-        <p:sp>
-          <p:nvSpPr>
-            <p:cNvPr id="136" name="TextBox 135"/>
-            <p:cNvSpPr txBox="1"/>
-            <p:nvPr/>
-          </p:nvSpPr>
-          <p:spPr>
-            <a:xfrm>
-              <a:off x="850332" y="4101797"/>
-              <a:ext cx="676014" cy="307777"/>
-            </a:xfrm>
-            <a:prstGeom prst="rect">
-              <a:avLst/>
-            </a:prstGeom>
-            <a:noFill/>
-          </p:spPr>
-          <p:txBody>
-            <a:bodyPr wrap="square" rtlCol="0">
-              <a:spAutoFit/>
-            </a:bodyPr>
-            <a:lstStyle/>
-            <a:p>
-              <a:r>
-                <a:rPr lang="en-US" sz="1400" b="1" smtClean="0"/>
-                <a:t>CH1</a:t>
-              </a:r>
-              <a:endParaRPr lang="en-US" sz="1400" b="1"/>
-            </a:p>
-          </p:txBody>
-        </p:sp>
-        <p:cxnSp>
-          <p:nvCxnSpPr>
-            <p:cNvPr id="137" name="Elbow Connector 136"/>
-            <p:cNvCxnSpPr/>
-            <p:nvPr/>
-          </p:nvCxnSpPr>
-          <p:spPr>
-            <a:xfrm flipV="1">
-              <a:off x="3931320" y="2408707"/>
-              <a:ext cx="797745" cy="528827"/>
-            </a:xfrm>
-            <a:prstGeom prst="bentConnector2">
-              <a:avLst/>
-            </a:prstGeom>
-            <a:ln w="28575">
-              <a:solidFill>
-                <a:schemeClr val="tx1"/>
-              </a:solidFill>
-              <a:tailEnd type="triangle"/>
-            </a:ln>
-          </p:spPr>
-          <p:style>
-            <a:lnRef idx="1">
-              <a:schemeClr val="accent1"/>
-            </a:lnRef>
-            <a:fillRef idx="0">
-              <a:schemeClr val="accent1"/>
-            </a:fillRef>
-            <a:effectRef idx="0">
-              <a:schemeClr val="accent1"/>
-            </a:effectRef>
-            <a:fontRef idx="minor">
-              <a:schemeClr val="tx1"/>
-            </a:fontRef>
-          </p:style>
-        </p:cxnSp>
-        <p:sp>
-          <p:nvSpPr>
-            <p:cNvPr id="138" name="TextBox 137"/>
-            <p:cNvSpPr txBox="1"/>
-            <p:nvPr/>
-          </p:nvSpPr>
-          <p:spPr>
-            <a:xfrm>
-              <a:off x="3844889" y="2650120"/>
-              <a:ext cx="676014" cy="307777"/>
-            </a:xfrm>
-            <a:prstGeom prst="rect">
-              <a:avLst/>
-            </a:prstGeom>
-            <a:noFill/>
-          </p:spPr>
-          <p:txBody>
-            <a:bodyPr wrap="square" rtlCol="0">
-              <a:spAutoFit/>
-            </a:bodyPr>
-            <a:lstStyle/>
-            <a:p>
-              <a:r>
-                <a:rPr lang="en-US" sz="1400" b="1" smtClean="0"/>
-                <a:t>CH1</a:t>
-              </a:r>
-              <a:endParaRPr lang="en-US" sz="1400" b="1"/>
-            </a:p>
-          </p:txBody>
-        </p:sp>
-        <p:cxnSp>
-          <p:nvCxnSpPr>
-            <p:cNvPr id="139" name="Elbow Connector 138"/>
-            <p:cNvCxnSpPr/>
-            <p:nvPr/>
-          </p:nvCxnSpPr>
-          <p:spPr>
-            <a:xfrm flipV="1">
-              <a:off x="5637237" y="2400839"/>
-              <a:ext cx="797745" cy="528827"/>
-            </a:xfrm>
-            <a:prstGeom prst="bentConnector2">
-              <a:avLst/>
-            </a:prstGeom>
-            <a:ln w="28575">
-              <a:solidFill>
-                <a:schemeClr val="tx1"/>
-              </a:solidFill>
-              <a:tailEnd type="triangle"/>
-            </a:ln>
-          </p:spPr>
-          <p:style>
-            <a:lnRef idx="1">
-              <a:schemeClr val="accent1"/>
-            </a:lnRef>
-            <a:fillRef idx="0">
-              <a:schemeClr val="accent1"/>
-            </a:fillRef>
-            <a:effectRef idx="0">
-              <a:schemeClr val="accent1"/>
-            </a:effectRef>
-            <a:fontRef idx="minor">
-              <a:schemeClr val="tx1"/>
-            </a:fontRef>
-          </p:style>
-        </p:cxnSp>
-        <p:sp>
-          <p:nvSpPr>
-            <p:cNvPr id="140" name="TextBox 139"/>
-            <p:cNvSpPr txBox="1"/>
-            <p:nvPr/>
-          </p:nvSpPr>
-          <p:spPr>
-            <a:xfrm>
-              <a:off x="5550806" y="2642252"/>
-              <a:ext cx="676014" cy="307777"/>
-            </a:xfrm>
-            <a:prstGeom prst="rect">
-              <a:avLst/>
-            </a:prstGeom>
-            <a:noFill/>
-          </p:spPr>
-          <p:txBody>
-            <a:bodyPr wrap="square" rtlCol="0">
-              <a:spAutoFit/>
-            </a:bodyPr>
-            <a:lstStyle/>
-            <a:p>
-              <a:r>
-                <a:rPr lang="en-US" sz="1400" b="1" smtClean="0"/>
-                <a:t>CH2</a:t>
-              </a:r>
-              <a:endParaRPr lang="en-US" sz="1400" b="1"/>
-            </a:p>
-          </p:txBody>
-        </p:sp>
-        <p:sp>
-          <p:nvSpPr>
-            <p:cNvPr id="156" name="Rectangle 155"/>
-            <p:cNvSpPr/>
-            <p:nvPr/>
-          </p:nvSpPr>
-          <p:spPr>
-            <a:xfrm>
-              <a:off x="7456597" y="1888909"/>
-              <a:ext cx="1251266" cy="1486057"/>
-            </a:xfrm>
-            <a:prstGeom prst="rect">
-              <a:avLst/>
-            </a:prstGeom>
-            <a:noFill/>
-            <a:ln w="31750">
-              <a:solidFill>
-                <a:srgbClr val="FF0000"/>
-              </a:solidFill>
-            </a:ln>
-          </p:spPr>
-          <p:style>
-            <a:lnRef idx="2">
-              <a:schemeClr val="accent1">
-                <a:shade val="50000"/>
-              </a:schemeClr>
-            </a:lnRef>
-            <a:fillRef idx="1">
-              <a:schemeClr val="accent1"/>
-            </a:fillRef>
-            <a:effectRef idx="0">
-              <a:schemeClr val="accent1"/>
-            </a:effectRef>
-            <a:fontRef idx="minor">
-              <a:schemeClr val="lt1"/>
-            </a:fontRef>
-          </p:style>
-          <p:txBody>
-            <a:bodyPr rtlCol="0" anchor="ctr"/>
-            <a:lstStyle/>
-            <a:p>
-              <a:pPr algn="ctr"/>
-              <a:endParaRPr lang="en-US"/>
-            </a:p>
-          </p:txBody>
-        </p:sp>
-        <p:sp>
-          <p:nvSpPr>
-            <p:cNvPr id="157" name="Rectangle 156"/>
-            <p:cNvSpPr/>
-            <p:nvPr/>
-          </p:nvSpPr>
-          <p:spPr>
-            <a:xfrm>
-              <a:off x="7453325" y="3722317"/>
-              <a:ext cx="1251266" cy="1427582"/>
-            </a:xfrm>
-            <a:prstGeom prst="rect">
-              <a:avLst/>
-            </a:prstGeom>
-            <a:noFill/>
-            <a:ln w="31750">
-              <a:solidFill>
-                <a:srgbClr val="FF0000"/>
-              </a:solidFill>
-            </a:ln>
-          </p:spPr>
-          <p:style>
-            <a:lnRef idx="2">
-              <a:schemeClr val="accent1">
-                <a:shade val="50000"/>
-              </a:schemeClr>
-            </a:lnRef>
-            <a:fillRef idx="1">
-              <a:schemeClr val="accent1"/>
-            </a:fillRef>
-            <a:effectRef idx="0">
-              <a:schemeClr val="accent1"/>
-            </a:effectRef>
-            <a:fontRef idx="minor">
-              <a:schemeClr val="lt1"/>
-            </a:fontRef>
-          </p:style>
-          <p:txBody>
-            <a:bodyPr rtlCol="0" anchor="ctr"/>
-            <a:lstStyle/>
-            <a:p>
-              <a:pPr algn="ctr"/>
-              <a:endParaRPr lang="en-US"/>
-            </a:p>
-          </p:txBody>
-        </p:sp>
-        <p:sp>
-          <p:nvSpPr>
-            <p:cNvPr id="158" name="Rectangle 157"/>
-            <p:cNvSpPr/>
-            <p:nvPr/>
-          </p:nvSpPr>
-          <p:spPr>
-            <a:xfrm>
-              <a:off x="3865701" y="5019887"/>
-              <a:ext cx="1558189" cy="996744"/>
-            </a:xfrm>
-            <a:prstGeom prst="rect">
-              <a:avLst/>
-            </a:prstGeom>
-            <a:noFill/>
-            <a:ln w="31750">
-              <a:solidFill>
-                <a:srgbClr val="FF0000"/>
-              </a:solidFill>
-            </a:ln>
-          </p:spPr>
-          <p:style>
-            <a:lnRef idx="2">
-              <a:schemeClr val="accent1">
-                <a:shade val="50000"/>
-              </a:schemeClr>
-            </a:lnRef>
-            <a:fillRef idx="1">
-              <a:schemeClr val="accent1"/>
-            </a:fillRef>
-            <a:effectRef idx="0">
-              <a:schemeClr val="accent1"/>
-            </a:effectRef>
-            <a:fontRef idx="minor">
-              <a:schemeClr val="lt1"/>
-            </a:fontRef>
-          </p:style>
-          <p:txBody>
-            <a:bodyPr rtlCol="0" anchor="ctr"/>
-            <a:lstStyle/>
-            <a:p>
-              <a:pPr algn="ctr"/>
-              <a:endParaRPr lang="en-US"/>
-            </a:p>
-          </p:txBody>
-        </p:sp>
-        <p:sp>
-          <p:nvSpPr>
-            <p:cNvPr id="159" name="Rectangle 158"/>
-            <p:cNvSpPr/>
-            <p:nvPr/>
-          </p:nvSpPr>
-          <p:spPr>
-            <a:xfrm>
-              <a:off x="5660789" y="5022994"/>
-              <a:ext cx="1520362" cy="996744"/>
-            </a:xfrm>
-            <a:prstGeom prst="rect">
-              <a:avLst/>
-            </a:prstGeom>
-            <a:noFill/>
-            <a:ln w="31750">
-              <a:solidFill>
-                <a:srgbClr val="FF0000"/>
-              </a:solidFill>
-            </a:ln>
-          </p:spPr>
-          <p:style>
-            <a:lnRef idx="2">
-              <a:schemeClr val="accent1">
-                <a:shade val="50000"/>
-              </a:schemeClr>
-            </a:lnRef>
-            <a:fillRef idx="1">
-              <a:schemeClr val="accent1"/>
-            </a:fillRef>
-            <a:effectRef idx="0">
-              <a:schemeClr val="accent1"/>
-            </a:effectRef>
-            <a:fontRef idx="minor">
-              <a:schemeClr val="lt1"/>
-            </a:fontRef>
-          </p:style>
-          <p:txBody>
-            <a:bodyPr rtlCol="0" anchor="ctr"/>
-            <a:lstStyle/>
-            <a:p>
-              <a:pPr algn="ctr"/>
-              <a:endParaRPr lang="en-US"/>
-            </a:p>
-          </p:txBody>
-        </p:sp>
-      </p:grpSp>
-      <p:cxnSp>
-        <p:nvCxnSpPr>
-          <p:cNvPr id="164" name="Elbow Connector 163"/>
-          <p:cNvCxnSpPr/>
-          <p:nvPr/>
-        </p:nvCxnSpPr>
-        <p:spPr>
-          <a:xfrm>
-            <a:off x="6309081" y="4563995"/>
-            <a:ext cx="559433" cy="417305"/>
-          </a:xfrm>
-          <a:prstGeom prst="bentConnector2">
-            <a:avLst/>
-          </a:prstGeom>
-          <a:ln w="28575">
-            <a:solidFill>
-              <a:schemeClr val="tx1"/>
-            </a:solidFill>
-            <a:tailEnd type="triangle"/>
-          </a:ln>
-        </p:spPr>
-        <p:style>
-          <a:lnRef idx="1">
-            <a:schemeClr val="accent1"/>
-          </a:lnRef>
-          <a:fillRef idx="0">
-            <a:schemeClr val="accent1"/>
-          </a:fillRef>
-          <a:effectRef idx="0">
-            <a:schemeClr val="accent1"/>
-          </a:effectRef>
-          <a:fontRef idx="minor">
-            <a:schemeClr val="tx1"/>
-          </a:fontRef>
-        </p:style>
-      </p:cxnSp>
-      <p:sp>
-        <p:nvSpPr>
-          <p:cNvPr id="165" name="TextBox 164"/>
-          <p:cNvSpPr txBox="1"/>
-          <p:nvPr/>
-        </p:nvSpPr>
-        <p:spPr>
-          <a:xfrm>
-            <a:off x="6211287" y="4299570"/>
-            <a:ext cx="676014" cy="307777"/>
-          </a:xfrm>
-          <a:prstGeom prst="rect">
-            <a:avLst/>
-          </a:prstGeom>
-          <a:noFill/>
-        </p:spPr>
-        <p:txBody>
-          <a:bodyPr wrap="square" rtlCol="0">
-            <a:spAutoFit/>
-          </a:bodyPr>
-          <a:lstStyle/>
-          <a:p>
-            <a:r>
-              <a:rPr lang="en-US" sz="1400" b="1" smtClean="0"/>
-              <a:t>CH1</a:t>
-            </a:r>
-            <a:endParaRPr lang="en-US" sz="1400" b="1"/>
-          </a:p>
-        </p:txBody>
-      </p:sp>
-      <p:cxnSp>
-        <p:nvCxnSpPr>
-          <p:cNvPr id="169" name="Elbow Connector 168"/>
-          <p:cNvCxnSpPr/>
-          <p:nvPr/>
-        </p:nvCxnSpPr>
-        <p:spPr>
-          <a:xfrm>
-            <a:off x="4591120" y="4566767"/>
-            <a:ext cx="559433" cy="417305"/>
-          </a:xfrm>
-          <a:prstGeom prst="bentConnector2">
-            <a:avLst/>
-          </a:prstGeom>
-          <a:ln w="28575">
-            <a:solidFill>
-              <a:schemeClr val="tx1"/>
-            </a:solidFill>
-            <a:tailEnd type="triangle"/>
-          </a:ln>
-        </p:spPr>
-        <p:style>
-          <a:lnRef idx="1">
-            <a:schemeClr val="accent1"/>
-          </a:lnRef>
-          <a:fillRef idx="0">
-            <a:schemeClr val="accent1"/>
-          </a:fillRef>
-          <a:effectRef idx="0">
-            <a:schemeClr val="accent1"/>
-          </a:effectRef>
-          <a:fontRef idx="minor">
-            <a:schemeClr val="tx1"/>
-          </a:fontRef>
-        </p:style>
-      </p:cxnSp>
-      <p:sp>
-        <p:nvSpPr>
-          <p:cNvPr id="170" name="TextBox 169"/>
-          <p:cNvSpPr txBox="1"/>
-          <p:nvPr/>
-        </p:nvSpPr>
-        <p:spPr>
-          <a:xfrm>
-            <a:off x="4493326" y="4302342"/>
-            <a:ext cx="676014" cy="307777"/>
-          </a:xfrm>
-          <a:prstGeom prst="rect">
-            <a:avLst/>
-          </a:prstGeom>
-          <a:noFill/>
-        </p:spPr>
-        <p:txBody>
-          <a:bodyPr wrap="square" rtlCol="0">
-            <a:spAutoFit/>
-          </a:bodyPr>
-          <a:lstStyle/>
-          <a:p>
-            <a:r>
-              <a:rPr lang="en-US" sz="1400" b="1" smtClean="0"/>
-              <a:t>CH2</a:t>
-            </a:r>
-            <a:endParaRPr lang="en-US" sz="1400" b="1"/>
-          </a:p>
-        </p:txBody>
-      </p:sp>
-    </p:spTree>
-    <p:extLst>
-      <p:ext uri="{BB962C8B-B14F-4D97-AF65-F5344CB8AC3E}">
-        <p14:creationId xmlns:p14="http://schemas.microsoft.com/office/powerpoint/2010/main" val="3633161159"/>
-      </p:ext>
-    </p:extLst>
-  </p:cSld>
-  <p:clrMapOvr>
-    <a:masterClrMapping/>
-  </p:clrMapOvr>
-  <p:timing>
-    <p:tnLst>
-      <p:par>
-        <p:cTn id="1" dur="indefinite" restart="never" nodeType="tmRoot"/>
-      </p:par>
-    </p:tnLst>
-  </p:timing>
-</p:sld>
-</file>
-
-<file path=ppt/slides/slide4.xml><?xml version="1.0" encoding="utf-8"?>
-<p:sld xmlns:a="http://schemas.openxmlformats.org/drawingml/2006/main" xmlns:r="http://schemas.openxmlformats.org/officeDocument/2006/relationships" xmlns:p="http://schemas.openxmlformats.org/presentationml/2006/main">
-  <p:cSld>
-    <p:spTree>
-      <p:nvGrpSpPr>
-        <p:cNvPr id="1" name=""/>
-        <p:cNvGrpSpPr/>
-        <p:nvPr/>
-      </p:nvGrpSpPr>
-      <p:grpSpPr>
-        <a:xfrm>
-          <a:off x="0" y="0"/>
-          <a:ext cx="0" cy="0"/>
-          <a:chOff x="0" y="0"/>
-          <a:chExt cx="0" cy="0"/>
-        </a:xfrm>
-      </p:grpSpPr>
-      <p:grpSp>
-        <p:nvGrpSpPr>
           <p:cNvPr id="3" name="Group 2"/>
           <p:cNvGrpSpPr/>
           <p:nvPr/>
@@ -19138,8 +13924,8 @@
             <a:lstStyle/>
             <a:p>
               <a:r>
-                <a:rPr lang="en-US" sz="1500" smtClean="0"/>
-                <a:t>1</a:t>
+                <a:rPr lang="en-US" sz="1500"/>
+                <a:t>2</a:t>
               </a:r>
               <a:endParaRPr lang="en-US" sz="1500"/>
             </a:p>
@@ -19215,8 +14001,9 @@
             <a:p>
               <a:r>
                 <a:rPr lang="en-US" sz="1500"/>
-                <a:t>2</a:t>
+                <a:t>1</a:t>
               </a:r>
+              <a:endParaRPr lang="en-US" sz="1500"/>
             </a:p>
           </p:txBody>
         </p:sp>
@@ -19290,7 +14077,7 @@
             <a:p>
               <a:r>
                 <a:rPr lang="en-US" sz="1500" smtClean="0"/>
-                <a:t>11</a:t>
+                <a:t>12</a:t>
               </a:r>
               <a:endParaRPr lang="en-US" sz="1500"/>
             </a:p>
@@ -19366,7 +14153,7 @@
             <a:p>
               <a:r>
                 <a:rPr lang="en-US" sz="1500" smtClean="0"/>
-                <a:t>12</a:t>
+                <a:t>11</a:t>
               </a:r>
               <a:endParaRPr lang="en-US" sz="1500"/>
             </a:p>
@@ -19426,8 +14213,8 @@
           </p:nvSpPr>
           <p:spPr>
             <a:xfrm>
-              <a:off x="2664917" y="4294789"/>
-              <a:ext cx="261257" cy="323165"/>
+              <a:off x="2615039" y="4294789"/>
+              <a:ext cx="404565" cy="323165"/>
             </a:xfrm>
             <a:prstGeom prst="rect">
               <a:avLst/>
@@ -19442,7 +14229,7 @@
             <a:p>
               <a:r>
                 <a:rPr lang="en-US" sz="1500" smtClean="0"/>
-                <a:t>9</a:t>
+                <a:t>10</a:t>
               </a:r>
               <a:endParaRPr lang="en-US" sz="1500"/>
             </a:p>
@@ -19502,7 +14289,7 @@
           </p:nvSpPr>
           <p:spPr>
             <a:xfrm>
-              <a:off x="3169379" y="4294789"/>
+              <a:off x="3219257" y="4294789"/>
               <a:ext cx="431098" cy="323165"/>
             </a:xfrm>
             <a:prstGeom prst="rect">
@@ -19517,8 +14304,8 @@
             <a:lstStyle/>
             <a:p>
               <a:r>
-                <a:rPr lang="en-US" sz="1500" smtClean="0"/>
-                <a:t>10</a:t>
+                <a:rPr lang="en-US" sz="1500"/>
+                <a:t>9</a:t>
               </a:r>
               <a:endParaRPr lang="en-US" sz="1500"/>
             </a:p>
@@ -19594,8 +14381,9 @@
             <a:p>
               <a:r>
                 <a:rPr lang="en-US" sz="1500"/>
-                <a:t>3</a:t>
+                <a:t>4</a:t>
               </a:r>
+              <a:endParaRPr lang="en-US" sz="1500"/>
             </a:p>
           </p:txBody>
         </p:sp>
@@ -19669,8 +14457,9 @@
             <a:p>
               <a:r>
                 <a:rPr lang="en-US" sz="1500"/>
-                <a:t>4</a:t>
+                <a:t>3</a:t>
               </a:r>
+              <a:endParaRPr lang="en-US" sz="1500"/>
             </a:p>
           </p:txBody>
         </p:sp>
@@ -19744,8 +14533,9 @@
             <a:p>
               <a:r>
                 <a:rPr lang="en-US" sz="1500"/>
-                <a:t>7</a:t>
+                <a:t>8</a:t>
               </a:r>
+              <a:endParaRPr lang="en-US" sz="1500"/>
             </a:p>
           </p:txBody>
         </p:sp>
@@ -19819,8 +14609,9 @@
             <a:p>
               <a:r>
                 <a:rPr lang="en-US" sz="1500"/>
-                <a:t>8</a:t>
+                <a:t>7</a:t>
               </a:r>
+              <a:endParaRPr lang="en-US" sz="1500"/>
             </a:p>
           </p:txBody>
         </p:sp>
@@ -19894,8 +14685,9 @@
             <a:p>
               <a:r>
                 <a:rPr lang="en-US" sz="1500"/>
-                <a:t>5</a:t>
+                <a:t>6</a:t>
               </a:r>
+              <a:endParaRPr lang="en-US" sz="1500"/>
             </a:p>
           </p:txBody>
         </p:sp>
@@ -19969,8 +14761,9 @@
             <a:p>
               <a:r>
                 <a:rPr lang="en-US" sz="1500"/>
-                <a:t>6</a:t>
+                <a:t>5</a:t>
               </a:r>
+              <a:endParaRPr lang="en-US" sz="1500"/>
             </a:p>
           </p:txBody>
         </p:sp>
@@ -20043,8 +14836,8 @@
             <a:lstStyle/>
             <a:p>
               <a:r>
-                <a:rPr lang="en-US" sz="1500" smtClean="0"/>
-                <a:t>1</a:t>
+                <a:rPr lang="en-US" sz="1500"/>
+                <a:t>2</a:t>
               </a:r>
               <a:endParaRPr lang="en-US" sz="1500"/>
             </a:p>
@@ -20120,8 +14913,9 @@
             <a:p>
               <a:r>
                 <a:rPr lang="en-US" sz="1500"/>
-                <a:t>2</a:t>
+                <a:t>1</a:t>
               </a:r>
+              <a:endParaRPr lang="en-US" sz="1500"/>
             </a:p>
           </p:txBody>
         </p:sp>
@@ -20195,7 +14989,7 @@
             <a:p>
               <a:r>
                 <a:rPr lang="en-US" sz="1500" smtClean="0"/>
-                <a:t>11</a:t>
+                <a:t>12</a:t>
               </a:r>
               <a:endParaRPr lang="en-US" sz="1500"/>
             </a:p>
@@ -20271,7 +15065,7 @@
             <a:p>
               <a:r>
                 <a:rPr lang="en-US" sz="1500" smtClean="0"/>
-                <a:t>12</a:t>
+                <a:t>11</a:t>
               </a:r>
               <a:endParaRPr lang="en-US" sz="1500"/>
             </a:p>
@@ -20331,8 +15125,8 @@
           </p:nvSpPr>
           <p:spPr>
             <a:xfrm>
-              <a:off x="4464158" y="1311101"/>
-              <a:ext cx="261257" cy="323165"/>
+              <a:off x="4422593" y="1311101"/>
+              <a:ext cx="412097" cy="323165"/>
             </a:xfrm>
             <a:prstGeom prst="rect">
               <a:avLst/>
@@ -20346,9 +15140,10 @@
             <a:lstStyle/>
             <a:p>
               <a:r>
-                <a:rPr lang="en-US" sz="1500"/>
-                <a:t>9</a:t>
+                <a:rPr lang="en-US" sz="1500" smtClean="0"/>
+                <a:t>10</a:t>
               </a:r>
+              <a:endParaRPr lang="en-US" sz="1500"/>
             </a:p>
           </p:txBody>
         </p:sp>
@@ -20406,7 +15201,7 @@
           </p:nvSpPr>
           <p:spPr>
             <a:xfrm>
-              <a:off x="4426834" y="1803919"/>
+              <a:off x="4468399" y="1803919"/>
               <a:ext cx="378548" cy="323165"/>
             </a:xfrm>
             <a:prstGeom prst="rect">
@@ -20421,8 +15216,8 @@
             <a:lstStyle/>
             <a:p>
               <a:r>
-                <a:rPr lang="en-US" sz="1500" smtClean="0"/>
-                <a:t>10</a:t>
+                <a:rPr lang="en-US" sz="1500"/>
+                <a:t>9</a:t>
               </a:r>
               <a:endParaRPr lang="en-US" sz="1500"/>
             </a:p>
@@ -20498,8 +15293,9 @@
             <a:p>
               <a:r>
                 <a:rPr lang="en-US" sz="1500"/>
-                <a:t>7</a:t>
+                <a:t>8</a:t>
               </a:r>
+              <a:endParaRPr lang="en-US" sz="1500"/>
             </a:p>
           </p:txBody>
         </p:sp>
@@ -20573,8 +15369,9 @@
             <a:p>
               <a:r>
                 <a:rPr lang="en-US" sz="1500"/>
-                <a:t>8</a:t>
+                <a:t>7</a:t>
               </a:r>
+              <a:endParaRPr lang="en-US" sz="1500"/>
             </a:p>
           </p:txBody>
         </p:sp>
@@ -20648,8 +15445,9 @@
             <a:p>
               <a:r>
                 <a:rPr lang="en-US" sz="1500"/>
-                <a:t>5</a:t>
+                <a:t>6</a:t>
               </a:r>
+              <a:endParaRPr lang="en-US" sz="1500"/>
             </a:p>
           </p:txBody>
         </p:sp>
@@ -20723,8 +15521,9 @@
             <a:p>
               <a:r>
                 <a:rPr lang="en-US" sz="1500"/>
-                <a:t>6</a:t>
+                <a:t>5</a:t>
               </a:r>
+              <a:endParaRPr lang="en-US" sz="1500"/>
             </a:p>
           </p:txBody>
         </p:sp>
@@ -20798,8 +15597,9 @@
             <a:p>
               <a:r>
                 <a:rPr lang="en-US" sz="1500"/>
-                <a:t>3</a:t>
+                <a:t>4</a:t>
               </a:r>
+              <a:endParaRPr lang="en-US" sz="1500"/>
             </a:p>
           </p:txBody>
         </p:sp>
@@ -20872,8 +15672,8 @@
             <a:lstStyle/>
             <a:p>
               <a:r>
-                <a:rPr lang="en-US" sz="1500" smtClean="0"/>
-                <a:t>4</a:t>
+                <a:rPr lang="en-US" sz="1500"/>
+                <a:t>3</a:t>
               </a:r>
               <a:endParaRPr lang="en-US" sz="1500"/>
             </a:p>
@@ -20994,8 +15794,8 @@
             <a:lstStyle/>
             <a:p>
               <a:r>
-                <a:rPr lang="en-US" sz="1500" smtClean="0"/>
-                <a:t>6</a:t>
+                <a:rPr lang="en-US" sz="1500"/>
+                <a:t>5</a:t>
               </a:r>
               <a:endParaRPr lang="en-US" sz="1500"/>
             </a:p>
@@ -21070,8 +15870,8 @@
             <a:lstStyle/>
             <a:p>
               <a:r>
-                <a:rPr lang="en-US" sz="1500" smtClean="0"/>
-                <a:t>5</a:t>
+                <a:rPr lang="en-US" sz="1500"/>
+                <a:t>6</a:t>
               </a:r>
               <a:endParaRPr lang="en-US" sz="1500"/>
             </a:p>
@@ -21147,8 +15947,9 @@
             <a:p>
               <a:r>
                 <a:rPr lang="en-US" sz="1500"/>
-                <a:t>8</a:t>
+                <a:t>7</a:t>
               </a:r>
+              <a:endParaRPr lang="en-US" sz="1500"/>
             </a:p>
           </p:txBody>
         </p:sp>
@@ -21222,8 +16023,9 @@
             <a:p>
               <a:r>
                 <a:rPr lang="en-US" sz="1500"/>
-                <a:t>7</a:t>
+                <a:t>8</a:t>
               </a:r>
+              <a:endParaRPr lang="en-US" sz="1500"/>
             </a:p>
           </p:txBody>
         </p:sp>
@@ -21281,7 +16083,7 @@
           </p:nvSpPr>
           <p:spPr>
             <a:xfrm>
-              <a:off x="7493711" y="2465982"/>
+              <a:off x="7543589" y="2465982"/>
               <a:ext cx="412294" cy="323165"/>
             </a:xfrm>
             <a:prstGeom prst="rect">
@@ -21296,8 +16098,8 @@
             <a:lstStyle/>
             <a:p>
               <a:r>
-                <a:rPr lang="en-US" sz="1500" smtClean="0"/>
-                <a:t>10</a:t>
+                <a:rPr lang="en-US" sz="1500"/>
+                <a:t>9</a:t>
               </a:r>
               <a:endParaRPr lang="en-US" sz="1500"/>
             </a:p>
@@ -21357,8 +16159,8 @@
           </p:nvSpPr>
           <p:spPr>
             <a:xfrm>
-              <a:off x="8072821" y="2465982"/>
-              <a:ext cx="261257" cy="323165"/>
+              <a:off x="8039569" y="2465982"/>
+              <a:ext cx="404153" cy="323165"/>
             </a:xfrm>
             <a:prstGeom prst="rect">
               <a:avLst/>
@@ -21372,9 +16174,10 @@
             <a:lstStyle/>
             <a:p>
               <a:r>
-                <a:rPr lang="en-US" sz="1500"/>
-                <a:t>9</a:t>
+                <a:rPr lang="en-US" sz="1500" smtClean="0"/>
+                <a:t>10</a:t>
               </a:r>
+              <a:endParaRPr lang="en-US" sz="1500"/>
             </a:p>
           </p:txBody>
         </p:sp>
@@ -21447,8 +16250,8 @@
             <a:lstStyle/>
             <a:p>
               <a:r>
-                <a:rPr lang="en-US" sz="1500" smtClean="0"/>
-                <a:t>4</a:t>
+                <a:rPr lang="en-US" sz="1500"/>
+                <a:t>3</a:t>
               </a:r>
               <a:endParaRPr lang="en-US" sz="1500"/>
             </a:p>
@@ -21523,8 +16326,8 @@
             <a:lstStyle/>
             <a:p>
               <a:r>
-                <a:rPr lang="en-US" sz="1500" smtClean="0"/>
-                <a:t>3</a:t>
+                <a:rPr lang="en-US" sz="1500"/>
+                <a:t>4</a:t>
               </a:r>
               <a:endParaRPr lang="en-US" sz="1500"/>
             </a:p>
@@ -21584,7 +16387,7 @@
           </p:nvSpPr>
           <p:spPr>
             <a:xfrm>
-              <a:off x="7503042" y="1950689"/>
+              <a:off x="7494729" y="1950689"/>
               <a:ext cx="387973" cy="323165"/>
             </a:xfrm>
             <a:prstGeom prst="rect">
@@ -21600,7 +16403,7 @@
             <a:p>
               <a:r>
                 <a:rPr lang="en-US" sz="1500" smtClean="0"/>
-                <a:t>12</a:t>
+                <a:t>11</a:t>
               </a:r>
               <a:endParaRPr lang="en-US" sz="1500"/>
             </a:p>
@@ -21660,7 +16463,7 @@
           </p:nvSpPr>
           <p:spPr>
             <a:xfrm>
-              <a:off x="8044828" y="1950689"/>
+              <a:off x="8036515" y="1950689"/>
               <a:ext cx="386791" cy="323165"/>
             </a:xfrm>
             <a:prstGeom prst="rect">
@@ -21676,7 +16479,7 @@
             <a:p>
               <a:r>
                 <a:rPr lang="en-US" sz="1500" smtClean="0"/>
-                <a:t>11</a:t>
+                <a:t>12</a:t>
               </a:r>
               <a:endParaRPr lang="en-US" sz="1500"/>
             </a:p>
@@ -21751,8 +16554,8 @@
             <a:lstStyle/>
             <a:p>
               <a:r>
-                <a:rPr lang="en-US" sz="1500" smtClean="0"/>
-                <a:t>2</a:t>
+                <a:rPr lang="en-US" sz="1500"/>
+                <a:t>1</a:t>
               </a:r>
               <a:endParaRPr lang="en-US" sz="1500"/>
             </a:p>
@@ -21827,8 +16630,8 @@
             <a:lstStyle/>
             <a:p>
               <a:r>
-                <a:rPr lang="en-US" sz="1500" smtClean="0"/>
-                <a:t>1</a:t>
+                <a:rPr lang="en-US" sz="1500"/>
+                <a:t>2</a:t>
               </a:r>
               <a:endParaRPr lang="en-US" sz="1500"/>
             </a:p>
@@ -22026,7 +16829,7 @@
             <a:p>
               <a:r>
                 <a:rPr lang="en-US" sz="1500" smtClean="0"/>
-                <a:t>5</a:t>
+                <a:t>3</a:t>
               </a:r>
               <a:endParaRPr lang="en-US" sz="1500"/>
             </a:p>
@@ -22086,8 +16889,8 @@
           </p:nvSpPr>
           <p:spPr>
             <a:xfrm>
-              <a:off x="5765750" y="4934481"/>
-              <a:ext cx="261257" cy="323165"/>
+              <a:off x="5724185" y="4934481"/>
+              <a:ext cx="412017" cy="323165"/>
             </a:xfrm>
             <a:prstGeom prst="rect">
               <a:avLst/>
@@ -22101,9 +16904,10 @@
             <a:lstStyle/>
             <a:p>
               <a:r>
-                <a:rPr lang="en-US" sz="1500"/>
-                <a:t>8</a:t>
+                <a:rPr lang="en-US" sz="1500" smtClean="0"/>
+                <a:t>10</a:t>
               </a:r>
+              <a:endParaRPr lang="en-US" sz="1500"/>
             </a:p>
           </p:txBody>
         </p:sp>
@@ -22252,7 +17056,7 @@
             <a:p>
               <a:r>
                 <a:rPr lang="en-US" sz="1500" smtClean="0"/>
-                <a:t>10</a:t>
+                <a:t>11</a:t>
               </a:r>
               <a:endParaRPr lang="en-US" sz="1500"/>
             </a:p>
@@ -22328,8 +17132,9 @@
             <a:p>
               <a:r>
                 <a:rPr lang="en-US" sz="1500"/>
-                <a:t>9</a:t>
+                <a:t>8</a:t>
               </a:r>
+              <a:endParaRPr lang="en-US" sz="1500"/>
             </a:p>
           </p:txBody>
         </p:sp>
@@ -22463,7 +17268,7 @@
           </p:nvSpPr>
           <p:spPr>
             <a:xfrm>
-              <a:off x="6767225" y="5500246"/>
+              <a:off x="6825416" y="5500246"/>
               <a:ext cx="391523" cy="323165"/>
             </a:xfrm>
             <a:prstGeom prst="rect">
@@ -22478,8 +17283,8 @@
             <a:lstStyle/>
             <a:p>
               <a:r>
-                <a:rPr lang="en-US" sz="1500" smtClean="0"/>
-                <a:t>11</a:t>
+                <a:rPr lang="en-US" sz="1500"/>
+                <a:t>9</a:t>
               </a:r>
               <a:endParaRPr lang="en-US" sz="1500"/>
             </a:p>
@@ -22555,7 +17360,7 @@
             <a:p>
               <a:r>
                 <a:rPr lang="en-US" sz="1500" smtClean="0"/>
-                <a:t>2</a:t>
+                <a:t>4</a:t>
               </a:r>
               <a:endParaRPr lang="en-US" sz="1500"/>
             </a:p>
@@ -22707,7 +17512,7 @@
             <a:p>
               <a:r>
                 <a:rPr lang="en-US" sz="1500" smtClean="0"/>
-                <a:t>4</a:t>
+                <a:t>5</a:t>
               </a:r>
               <a:endParaRPr lang="en-US" sz="1500"/>
             </a:p>
@@ -22783,7 +17588,7 @@
             <a:p>
               <a:r>
                 <a:rPr lang="en-US" sz="1500" smtClean="0"/>
-                <a:t>3</a:t>
+                <a:t>2</a:t>
               </a:r>
               <a:endParaRPr lang="en-US" sz="1500"/>
             </a:p>
